--- a/宣道詩/(宣道詩106)讚美耶穌.pptx
+++ b/宣道詩/(宣道詩106)讚美耶穌.pptx
@@ -5,20 +5,29 @@
     <p:sldMasterId id="2147483660" r:id="rId1"/>
   </p:sldMasterIdLst>
   <p:notesMasterIdLst>
-    <p:notesMasterId r:id="rId10"/>
+    <p:notesMasterId r:id="rId19"/>
   </p:notesMasterIdLst>
   <p:handoutMasterIdLst>
-    <p:handoutMasterId r:id="rId11"/>
+    <p:handoutMasterId r:id="rId20"/>
   </p:handoutMasterIdLst>
   <p:sldIdLst>
-    <p:sldId id="1603" r:id="rId2"/>
-    <p:sldId id="1604" r:id="rId3"/>
-    <p:sldId id="1605" r:id="rId4"/>
-    <p:sldId id="1606" r:id="rId5"/>
-    <p:sldId id="1607" r:id="rId6"/>
-    <p:sldId id="1608" r:id="rId7"/>
-    <p:sldId id="1609" r:id="rId8"/>
-    <p:sldId id="1610" r:id="rId9"/>
+    <p:sldId id="1611" r:id="rId2"/>
+    <p:sldId id="1612" r:id="rId3"/>
+    <p:sldId id="1613" r:id="rId4"/>
+    <p:sldId id="1614" r:id="rId5"/>
+    <p:sldId id="1615" r:id="rId6"/>
+    <p:sldId id="1616" r:id="rId7"/>
+    <p:sldId id="1617" r:id="rId8"/>
+    <p:sldId id="1618" r:id="rId9"/>
+    <p:sldId id="1619" r:id="rId10"/>
+    <p:sldId id="1620" r:id="rId11"/>
+    <p:sldId id="1621" r:id="rId12"/>
+    <p:sldId id="1622" r:id="rId13"/>
+    <p:sldId id="1623" r:id="rId14"/>
+    <p:sldId id="1624" r:id="rId15"/>
+    <p:sldId id="1625" r:id="rId16"/>
+    <p:sldId id="1626" r:id="rId17"/>
+    <p:sldId id="1627" r:id="rId18"/>
   </p:sldIdLst>
   <p:sldSz cx="12192000" cy="6858000"/>
   <p:notesSz cx="6858000" cy="9144000"/>
@@ -3724,213 +3733,140 @@
       </p:grpSpPr>
       <p:sp>
         <p:nvSpPr>
-          <p:cNvPr id="4" name="Title 3"/>
+          <p:cNvPr id="4" name="標題 3"/>
           <p:cNvSpPr>
             <a:spLocks noGrp="1"/>
           </p:cNvSpPr>
           <p:nvPr>
             <p:ph type="title"/>
-          </p:nvPr>
-        </p:nvSpPr>
-        <p:spPr/>
-        <p:txBody>
-          <a:bodyPr>
-            <a:normAutofit/>
-          </a:bodyPr>
-          <a:lstStyle/>
-          <a:p>
-            <a:r>
-              <a:rPr lang="en-US" altLang="zh-CN" sz="4800" b="1" dirty="0">
-                <a:solidFill>
-                  <a:srgbClr val="002060"/>
-                </a:solidFill>
-                <a:latin typeface="Microsoft JhengHei" panose="020B0604030504040204" pitchFamily="34" charset="-120"/>
-                <a:ea typeface="Microsoft JhengHei" panose="020B0604030504040204" pitchFamily="34" charset="-120"/>
-              </a:rPr>
-              <a:t>【</a:t>
-            </a:r>
-            <a:r>
-              <a:rPr lang="zh-CN" altLang="en-US" sz="4800" b="1" dirty="0">
-                <a:solidFill>
-                  <a:srgbClr val="002060"/>
-                </a:solidFill>
-                <a:latin typeface="Microsoft JhengHei" panose="020B0604030504040204" pitchFamily="34" charset="-120"/>
-                <a:ea typeface="Microsoft JhengHei" panose="020B0604030504040204" pitchFamily="34" charset="-120"/>
-              </a:rPr>
-              <a:t>讚美耶穌</a:t>
-            </a:r>
-            <a:r>
-              <a:rPr lang="en-US" altLang="zh-CN" sz="4800" b="1" dirty="0">
-                <a:solidFill>
-                  <a:srgbClr val="002060"/>
-                </a:solidFill>
-                <a:latin typeface="Microsoft JhengHei" panose="020B0604030504040204" pitchFamily="34" charset="-120"/>
-                <a:ea typeface="Microsoft JhengHei" panose="020B0604030504040204" pitchFamily="34" charset="-120"/>
-              </a:rPr>
-              <a:t>】</a:t>
-            </a:r>
-          </a:p>
-        </p:txBody>
-      </p:sp>
-      <p:sp>
-        <p:nvSpPr>
-          <p:cNvPr id="5" name="Content Placeholder 4"/>
-          <p:cNvSpPr>
-            <a:spLocks noGrp="1"/>
-          </p:cNvSpPr>
-          <p:nvPr>
-            <p:ph idx="1"/>
           </p:nvPr>
         </p:nvSpPr>
         <p:spPr>
           <a:xfrm>
-            <a:off x="0" y="1600202"/>
-            <a:ext cx="12192000" cy="4525963"/>
+            <a:off x="0" y="2708920"/>
+            <a:ext cx="12192000" cy="1143000"/>
           </a:xfrm>
         </p:spPr>
         <p:txBody>
           <a:bodyPr>
-            <a:normAutofit/>
+            <a:noAutofit/>
           </a:bodyPr>
           <a:lstStyle/>
           <a:p>
-            <a:pPr marL="0" indent="0" algn="ctr">
-              <a:buNone/>
-            </a:pPr>
-            <a:r>
-              <a:rPr lang="zh-TW" altLang="en-US" sz="5400" b="1" dirty="0">
-                <a:solidFill>
-                  <a:srgbClr val="002060"/>
-                </a:solidFill>
-                <a:latin typeface="Microsoft JhengHei" panose="020B0604030504040204" pitchFamily="34" charset="-120"/>
-                <a:ea typeface="Microsoft JhengHei" panose="020B0604030504040204" pitchFamily="34" charset="-120"/>
+            <a:r>
+              <a:rPr lang="zh-CN" altLang="en-US" sz="5333" b="1" u="sng" dirty="0">
+                <a:solidFill>
+                  <a:srgbClr val="660033"/>
+                </a:solidFill>
+                <a:effectLst>
+                  <a:outerShdw blurRad="38100" dist="38100" dir="2700000" algn="tl">
+                    <a:srgbClr val="000000">
+                      <a:alpha val="43137"/>
+                    </a:srgbClr>
+                  </a:outerShdw>
+                </a:effectLst>
+                <a:latin typeface="微軟正黑體" pitchFamily="34" charset="-120"/>
+                <a:ea typeface="微軟正黑體" pitchFamily="34" charset="-120"/>
               </a:rPr>
-              <a:t>當我見那寶貴血泉</a:t>
-            </a:r>
-          </a:p>
-          <a:p>
-            <a:pPr marL="0" indent="0" algn="ctr">
-              <a:buNone/>
-            </a:pPr>
-            <a:r>
-              <a:rPr lang="zh-TW" altLang="en-US" sz="5400" b="1" dirty="0">
-                <a:solidFill>
-                  <a:srgbClr val="002060"/>
-                </a:solidFill>
-                <a:latin typeface="Microsoft JhengHei" panose="020B0604030504040204" pitchFamily="34" charset="-120"/>
-                <a:ea typeface="Microsoft JhengHei" panose="020B0604030504040204" pitchFamily="34" charset="-120"/>
+              <a:t>宣道詩 </a:t>
+            </a:r>
+            <a:r>
+              <a:rPr lang="en-US" altLang="zh-CN" sz="5333" b="1" u="sng" dirty="0">
+                <a:solidFill>
+                  <a:srgbClr val="660033"/>
+                </a:solidFill>
+                <a:effectLst>
+                  <a:outerShdw blurRad="38100" dist="38100" dir="2700000" algn="tl">
+                    <a:srgbClr val="000000">
+                      <a:alpha val="43137"/>
+                    </a:srgbClr>
+                  </a:outerShdw>
+                </a:effectLst>
+                <a:latin typeface="微軟正黑體" pitchFamily="34" charset="-120"/>
+                <a:ea typeface="微軟正黑體" pitchFamily="34" charset="-120"/>
               </a:rPr>
-              <a:t>要洗我一切罪孽</a:t>
-            </a:r>
-          </a:p>
-          <a:p>
-            <a:pPr marL="0" indent="0" algn="ctr">
-              <a:buNone/>
-            </a:pPr>
-            <a:r>
-              <a:rPr lang="zh-TW" altLang="en-US" sz="5400" b="1" dirty="0">
-                <a:solidFill>
-                  <a:srgbClr val="002060"/>
-                </a:solidFill>
-                <a:latin typeface="Microsoft JhengHei" panose="020B0604030504040204" pitchFamily="34" charset="-120"/>
-                <a:ea typeface="Microsoft JhengHei" panose="020B0604030504040204" pitchFamily="34" charset="-120"/>
+              <a:t>106</a:t>
+            </a:r>
+            <a:r>
+              <a:rPr lang="en-US" altLang="zh-CN" sz="7200" b="1" i="1" dirty="0">
+                <a:solidFill>
+                  <a:srgbClr val="660033"/>
+                </a:solidFill>
+                <a:effectLst>
+                  <a:outerShdw blurRad="38100" dist="38100" dir="2700000" algn="tl">
+                    <a:srgbClr val="000000">
+                      <a:alpha val="43137"/>
+                    </a:srgbClr>
+                  </a:outerShdw>
+                </a:effectLst>
+                <a:latin typeface="微軟正黑體" pitchFamily="34" charset="-120"/>
+                <a:ea typeface="微軟正黑體" pitchFamily="34" charset="-120"/>
               </a:rPr>
-              <a:t>心中隱聞聖靈微聲</a:t>
-            </a:r>
-          </a:p>
-          <a:p>
-            <a:pPr marL="0" indent="0" algn="ctr">
-              <a:buNone/>
-            </a:pPr>
-            <a:r>
-              <a:rPr lang="zh-TW" altLang="en-US" sz="5400" b="1" dirty="0">
-                <a:solidFill>
-                  <a:srgbClr val="002060"/>
-                </a:solidFill>
-                <a:latin typeface="Microsoft JhengHei" panose="020B0604030504040204" pitchFamily="34" charset="-120"/>
-                <a:ea typeface="Microsoft JhengHei" panose="020B0604030504040204" pitchFamily="34" charset="-120"/>
+              <a:t/>
+            </a:r>
+            <a:br>
+              <a:rPr lang="en-US" altLang="zh-CN" sz="7200" b="1" i="1" dirty="0">
+                <a:solidFill>
+                  <a:srgbClr val="660033"/>
+                </a:solidFill>
+                <a:effectLst>
+                  <a:outerShdw blurRad="38100" dist="38100" dir="2700000" algn="tl">
+                    <a:srgbClr val="000000">
+                      <a:alpha val="43137"/>
+                    </a:srgbClr>
+                  </a:outerShdw>
+                </a:effectLst>
+                <a:latin typeface="微軟正黑體" pitchFamily="34" charset="-120"/>
+                <a:ea typeface="微軟正黑體" pitchFamily="34" charset="-120"/>
               </a:rPr>
-              <a:t>問</a:t>
-            </a:r>
-            <a:r>
-              <a:rPr lang="zh-TW" altLang="en-US" sz="5400" b="1" dirty="0" smtClean="0">
-                <a:solidFill>
-                  <a:srgbClr val="002060"/>
-                </a:solidFill>
-                <a:latin typeface="Microsoft JhengHei" panose="020B0604030504040204" pitchFamily="34" charset="-120"/>
-                <a:ea typeface="Microsoft JhengHei" panose="020B0604030504040204" pitchFamily="34" charset="-120"/>
+            </a:br>
+            <a:r>
+              <a:rPr lang="zh-CN" altLang="en-US" sz="8000" b="1" dirty="0">
+                <a:solidFill>
+                  <a:srgbClr val="000066"/>
+                </a:solidFill>
+                <a:effectLst>
+                  <a:outerShdw blurRad="38100" dist="38100" dir="2700000" algn="tl">
+                    <a:srgbClr val="000000">
+                      <a:alpha val="43137"/>
+                    </a:srgbClr>
+                  </a:outerShdw>
+                </a:effectLst>
+                <a:latin typeface="微軟正黑體" pitchFamily="34" charset="-120"/>
+                <a:ea typeface="微軟正黑體" pitchFamily="34" charset="-120"/>
               </a:rPr>
-              <a:t>説  你</a:t>
-            </a:r>
-            <a:r>
-              <a:rPr lang="zh-TW" altLang="en-US" sz="5400" b="1" dirty="0">
-                <a:solidFill>
-                  <a:srgbClr val="002060"/>
-                </a:solidFill>
-                <a:latin typeface="Microsoft JhengHei" panose="020B0604030504040204" pitchFamily="34" charset="-120"/>
-                <a:ea typeface="Microsoft JhengHei" panose="020B0604030504040204" pitchFamily="34" charset="-120"/>
+              <a:t>讚</a:t>
+            </a:r>
+            <a:r>
+              <a:rPr lang="zh-CN" altLang="en-US" sz="8000" b="1" dirty="0">
+                <a:solidFill>
+                  <a:srgbClr val="000066"/>
+                </a:solidFill>
+                <a:effectLst>
+                  <a:outerShdw blurRad="38100" dist="38100" dir="2700000" algn="tl">
+                    <a:srgbClr val="000000">
+                      <a:alpha val="43137"/>
+                    </a:srgbClr>
+                  </a:outerShdw>
+                </a:effectLst>
+                <a:latin typeface="微軟正黑體" pitchFamily="34" charset="-120"/>
+                <a:ea typeface="微軟正黑體" pitchFamily="34" charset="-120"/>
               </a:rPr>
-              <a:t>願否清</a:t>
-            </a:r>
-            <a:r>
-              <a:rPr lang="zh-TW" altLang="en-US" sz="5400" b="1" dirty="0" smtClean="0">
-                <a:solidFill>
-                  <a:srgbClr val="002060"/>
-                </a:solidFill>
-                <a:latin typeface="Microsoft JhengHei" panose="020B0604030504040204" pitchFamily="34" charset="-120"/>
-                <a:ea typeface="Microsoft JhengHei" panose="020B0604030504040204" pitchFamily="34" charset="-120"/>
-              </a:rPr>
-              <a:t>潔</a:t>
-            </a:r>
-            <a:endParaRPr lang="zh-TW" altLang="en-US" sz="5400" b="1" dirty="0">
+              <a:t>美耶穌</a:t>
+            </a:r>
+            <a:endParaRPr lang="zh-TW" altLang="en-US" sz="8000" b="1" dirty="0">
               <a:solidFill>
-                <a:srgbClr val="002060"/>
+                <a:srgbClr val="000066"/>
               </a:solidFill>
-              <a:latin typeface="Microsoft JhengHei" panose="020B0604030504040204" pitchFamily="34" charset="-120"/>
-              <a:ea typeface="Microsoft JhengHei" panose="020B0604030504040204" pitchFamily="34" charset="-120"/>
-            </a:endParaRPr>
-          </a:p>
-        </p:txBody>
-      </p:sp>
-      <p:sp>
-        <p:nvSpPr>
-          <p:cNvPr id="6" name="Text Box 1"/>
-          <p:cNvSpPr txBox="1"/>
-          <p:nvPr/>
-        </p:nvSpPr>
-        <p:spPr>
-          <a:xfrm>
-            <a:off x="1271464" y="1772816"/>
-            <a:ext cx="829056" cy="830997"/>
-          </a:xfrm>
-          <a:prstGeom prst="rect">
-            <a:avLst/>
-          </a:prstGeom>
-          <a:noFill/>
-          <a:ln w="9525">
-            <a:noFill/>
-            <a:miter lim="800000"/>
-          </a:ln>
-        </p:spPr>
-        <p:txBody>
-          <a:bodyPr wrap="square">
-            <a:spAutoFit/>
-          </a:bodyPr>
-          <a:lstStyle/>
-          <a:p>
-            <a:pPr algn="ctr"/>
-            <a:r>
-              <a:rPr lang="en-US" sz="4800" b="1" dirty="0" smtClean="0">
-                <a:solidFill>
-                  <a:srgbClr val="002060"/>
-                </a:solidFill>
-              </a:rPr>
-              <a:t>1.</a:t>
-            </a:r>
-            <a:endParaRPr lang="en-US" sz="4800" b="1" dirty="0">
-              <a:solidFill>
-                <a:srgbClr val="002060"/>
-              </a:solidFill>
+              <a:effectLst>
+                <a:outerShdw blurRad="38100" dist="38100" dir="2700000" algn="tl">
+                  <a:srgbClr val="000000">
+                    <a:alpha val="43137"/>
+                  </a:srgbClr>
+                </a:outerShdw>
+              </a:effectLst>
+              <a:latin typeface="微軟正黑體" pitchFamily="34" charset="-120"/>
+              <a:ea typeface="微軟正黑體" pitchFamily="34" charset="-120"/>
             </a:endParaRPr>
           </a:p>
         </p:txBody>
@@ -3938,13 +3874,1092 @@
     </p:spTree>
     <p:extLst>
       <p:ext uri="{BB962C8B-B14F-4D97-AF65-F5344CB8AC3E}">
-        <p14:creationId xmlns:p14="http://schemas.microsoft.com/office/powerpoint/2010/main" val="1425919619"/>
+        <p14:creationId xmlns:p14="http://schemas.microsoft.com/office/powerpoint/2010/main" val="2686260379"/>
       </p:ext>
     </p:extLst>
   </p:cSld>
   <p:clrMapOvr>
     <a:masterClrMapping/>
   </p:clrMapOvr>
+  <p:timing>
+    <p:tnLst>
+      <p:par>
+        <p:cTn id="1" dur="indefinite" restart="never" nodeType="tmRoot"/>
+      </p:par>
+    </p:tnLst>
+  </p:timing>
+</p:sld>
+</file>
+
+<file path=ppt/slides/slide10.xml><?xml version="1.0" encoding="utf-8"?>
+<p:sld xmlns:a="http://schemas.openxmlformats.org/drawingml/2006/main" xmlns:r="http://schemas.openxmlformats.org/officeDocument/2006/relationships" xmlns:p="http://schemas.openxmlformats.org/presentationml/2006/main">
+  <p:cSld>
+    <p:spTree>
+      <p:nvGrpSpPr>
+        <p:cNvPr id="1" name=""/>
+        <p:cNvGrpSpPr/>
+        <p:nvPr/>
+      </p:nvGrpSpPr>
+      <p:grpSpPr>
+        <a:xfrm>
+          <a:off x="0" y="0"/>
+          <a:ext cx="0" cy="0"/>
+          <a:chOff x="0" y="0"/>
+          <a:chExt cx="0" cy="0"/>
+        </a:xfrm>
+      </p:grpSpPr>
+      <p:sp>
+        <p:nvSpPr>
+          <p:cNvPr id="5" name="內容版面配置區 4"/>
+          <p:cNvSpPr>
+            <a:spLocks noGrp="1"/>
+          </p:cNvSpPr>
+          <p:nvPr>
+            <p:ph idx="1"/>
+          </p:nvPr>
+        </p:nvSpPr>
+        <p:spPr>
+          <a:xfrm>
+            <a:off x="0" y="2084853"/>
+            <a:ext cx="12192000" cy="2404863"/>
+          </a:xfrm>
+        </p:spPr>
+        <p:txBody>
+          <a:bodyPr anchor="ctr">
+            <a:normAutofit/>
+          </a:bodyPr>
+          <a:lstStyle/>
+          <a:p>
+            <a:pPr marL="0" indent="0" algn="ctr">
+              <a:buNone/>
+            </a:pPr>
+            <a:r>
+              <a:rPr lang="zh-TW" altLang="en-US" sz="6400" b="1" dirty="0">
+                <a:solidFill>
+                  <a:srgbClr val="000066"/>
+                </a:solidFill>
+                <a:latin typeface="Microsoft JhengHei" panose="020B0604030504040204" pitchFamily="34" charset="-120"/>
+                <a:ea typeface="Microsoft JhengHei" panose="020B0604030504040204" pitchFamily="34" charset="-120"/>
+              </a:rPr>
+              <a:t>前所懷抱追求盼望</a:t>
+            </a:r>
+          </a:p>
+          <a:p>
+            <a:pPr marL="0" indent="0" algn="ctr">
+              <a:buNone/>
+            </a:pPr>
+            <a:r>
+              <a:rPr lang="zh-TW" altLang="en-US" sz="6400" b="1" dirty="0">
+                <a:solidFill>
+                  <a:srgbClr val="000066"/>
+                </a:solidFill>
+                <a:latin typeface="Microsoft JhengHei" panose="020B0604030504040204" pitchFamily="34" charset="-120"/>
+                <a:ea typeface="Microsoft JhengHei" panose="020B0604030504040204" pitchFamily="34" charset="-120"/>
+              </a:rPr>
+              <a:t>今都算足下灰塵</a:t>
+            </a:r>
+            <a:endParaRPr lang="zh-TW" altLang="en-US" sz="6400" b="1" dirty="0">
+              <a:solidFill>
+                <a:srgbClr val="000066"/>
+              </a:solidFill>
+              <a:latin typeface="Microsoft JhengHei" panose="020B0604030504040204" pitchFamily="34" charset="-120"/>
+              <a:ea typeface="Microsoft JhengHei" panose="020B0604030504040204" pitchFamily="34" charset="-120"/>
+            </a:endParaRPr>
+          </a:p>
+        </p:txBody>
+      </p:sp>
+      <p:sp>
+        <p:nvSpPr>
+          <p:cNvPr id="4" name="TextBox 3"/>
+          <p:cNvSpPr txBox="1"/>
+          <p:nvPr/>
+        </p:nvSpPr>
+        <p:spPr>
+          <a:xfrm>
+            <a:off x="0" y="5157194"/>
+            <a:ext cx="12192000" cy="830997"/>
+          </a:xfrm>
+          <a:prstGeom prst="rect">
+            <a:avLst/>
+          </a:prstGeom>
+          <a:noFill/>
+        </p:spPr>
+        <p:txBody>
+          <a:bodyPr wrap="square" rtlCol="0">
+            <a:spAutoFit/>
+          </a:bodyPr>
+          <a:lstStyle/>
+          <a:p>
+            <a:pPr algn="ctr"/>
+            <a:r>
+              <a:rPr lang="en-US" sz="4800" b="1" dirty="0">
+                <a:solidFill>
+                  <a:srgbClr val="000066"/>
+                </a:solidFill>
+              </a:rPr>
+              <a:t>( 3 )</a:t>
+            </a:r>
+            <a:endParaRPr lang="vi-VN" sz="4800" b="1" dirty="0">
+              <a:solidFill>
+                <a:srgbClr val="000066"/>
+              </a:solidFill>
+            </a:endParaRPr>
+          </a:p>
+        </p:txBody>
+      </p:sp>
+    </p:spTree>
+    <p:extLst>
+      <p:ext uri="{BB962C8B-B14F-4D97-AF65-F5344CB8AC3E}">
+        <p14:creationId xmlns:p14="http://schemas.microsoft.com/office/powerpoint/2010/main" val="2869498634"/>
+      </p:ext>
+    </p:extLst>
+  </p:cSld>
+  <p:clrMapOvr>
+    <a:masterClrMapping/>
+  </p:clrMapOvr>
+  <p:timing>
+    <p:tnLst>
+      <p:par>
+        <p:cTn id="1" dur="indefinite" restart="never" nodeType="tmRoot"/>
+      </p:par>
+    </p:tnLst>
+  </p:timing>
+</p:sld>
+</file>
+
+<file path=ppt/slides/slide11.xml><?xml version="1.0" encoding="utf-8"?>
+<p:sld xmlns:a="http://schemas.openxmlformats.org/drawingml/2006/main" xmlns:r="http://schemas.openxmlformats.org/officeDocument/2006/relationships" xmlns:p="http://schemas.openxmlformats.org/presentationml/2006/main">
+  <p:cSld>
+    <p:spTree>
+      <p:nvGrpSpPr>
+        <p:cNvPr id="1" name=""/>
+        <p:cNvGrpSpPr/>
+        <p:nvPr/>
+      </p:nvGrpSpPr>
+      <p:grpSpPr>
+        <a:xfrm>
+          <a:off x="0" y="0"/>
+          <a:ext cx="0" cy="0"/>
+          <a:chOff x="0" y="0"/>
+          <a:chExt cx="0" cy="0"/>
+        </a:xfrm>
+      </p:grpSpPr>
+      <p:sp>
+        <p:nvSpPr>
+          <p:cNvPr id="5" name="內容版面配置區 4"/>
+          <p:cNvSpPr>
+            <a:spLocks noGrp="1"/>
+          </p:cNvSpPr>
+          <p:nvPr>
+            <p:ph idx="1"/>
+          </p:nvPr>
+        </p:nvSpPr>
+        <p:spPr>
+          <a:xfrm>
+            <a:off x="0" y="2084853"/>
+            <a:ext cx="12192000" cy="2404863"/>
+          </a:xfrm>
+        </p:spPr>
+        <p:txBody>
+          <a:bodyPr anchor="ctr">
+            <a:normAutofit/>
+          </a:bodyPr>
+          <a:lstStyle/>
+          <a:p>
+            <a:pPr marL="0" indent="0" algn="ctr">
+              <a:buNone/>
+            </a:pPr>
+            <a:r>
+              <a:rPr lang="zh-TW" altLang="en-US" sz="6400" b="1" dirty="0">
+                <a:solidFill>
+                  <a:srgbClr val="000066"/>
+                </a:solidFill>
+                <a:latin typeface="Microsoft JhengHei" panose="020B0604030504040204" pitchFamily="34" charset="-120"/>
+                <a:ea typeface="Microsoft JhengHei" panose="020B0604030504040204" pitchFamily="34" charset="-120"/>
+              </a:rPr>
+              <a:t>路雖崎嶇敵雖兇猛</a:t>
+            </a:r>
+          </a:p>
+          <a:p>
+            <a:pPr marL="0" indent="0" algn="ctr">
+              <a:buNone/>
+            </a:pPr>
+            <a:r>
+              <a:rPr lang="zh-TW" altLang="en-US" sz="6400" b="1" dirty="0">
+                <a:solidFill>
+                  <a:srgbClr val="000066"/>
+                </a:solidFill>
+                <a:latin typeface="Microsoft JhengHei" panose="020B0604030504040204" pitchFamily="34" charset="-120"/>
+                <a:ea typeface="Microsoft JhengHei" panose="020B0604030504040204" pitchFamily="34" charset="-120"/>
+              </a:rPr>
+              <a:t>仗主十架全得勝</a:t>
+            </a:r>
+            <a:endParaRPr lang="zh-TW" altLang="en-US" sz="6400" b="1" dirty="0">
+              <a:solidFill>
+                <a:srgbClr val="000066"/>
+              </a:solidFill>
+              <a:latin typeface="Microsoft JhengHei" panose="020B0604030504040204" pitchFamily="34" charset="-120"/>
+              <a:ea typeface="Microsoft JhengHei" panose="020B0604030504040204" pitchFamily="34" charset="-120"/>
+            </a:endParaRPr>
+          </a:p>
+        </p:txBody>
+      </p:sp>
+      <p:sp>
+        <p:nvSpPr>
+          <p:cNvPr id="4" name="TextBox 3"/>
+          <p:cNvSpPr txBox="1"/>
+          <p:nvPr/>
+        </p:nvSpPr>
+        <p:spPr>
+          <a:xfrm>
+            <a:off x="0" y="5157194"/>
+            <a:ext cx="12192000" cy="830997"/>
+          </a:xfrm>
+          <a:prstGeom prst="rect">
+            <a:avLst/>
+          </a:prstGeom>
+          <a:noFill/>
+        </p:spPr>
+        <p:txBody>
+          <a:bodyPr wrap="square" rtlCol="0">
+            <a:spAutoFit/>
+          </a:bodyPr>
+          <a:lstStyle/>
+          <a:p>
+            <a:pPr algn="ctr"/>
+            <a:r>
+              <a:rPr lang="en-US" sz="4800" b="1" dirty="0">
+                <a:solidFill>
+                  <a:srgbClr val="000066"/>
+                </a:solidFill>
+              </a:rPr>
+              <a:t>( 3 )</a:t>
+            </a:r>
+            <a:endParaRPr lang="vi-VN" sz="4800" b="1" dirty="0">
+              <a:solidFill>
+                <a:srgbClr val="000066"/>
+              </a:solidFill>
+            </a:endParaRPr>
+          </a:p>
+        </p:txBody>
+      </p:sp>
+    </p:spTree>
+    <p:extLst>
+      <p:ext uri="{BB962C8B-B14F-4D97-AF65-F5344CB8AC3E}">
+        <p14:creationId xmlns:p14="http://schemas.microsoft.com/office/powerpoint/2010/main" val="3078083706"/>
+      </p:ext>
+    </p:extLst>
+  </p:cSld>
+  <p:clrMapOvr>
+    <a:masterClrMapping/>
+  </p:clrMapOvr>
+  <p:timing>
+    <p:tnLst>
+      <p:par>
+        <p:cTn id="1" dur="indefinite" restart="never" nodeType="tmRoot"/>
+      </p:par>
+    </p:tnLst>
+  </p:timing>
+</p:sld>
+</file>
+
+<file path=ppt/slides/slide12.xml><?xml version="1.0" encoding="utf-8"?>
+<p:sld xmlns:a="http://schemas.openxmlformats.org/drawingml/2006/main" xmlns:r="http://schemas.openxmlformats.org/officeDocument/2006/relationships" xmlns:p="http://schemas.openxmlformats.org/presentationml/2006/main">
+  <p:cSld>
+    <p:spTree>
+      <p:nvGrpSpPr>
+        <p:cNvPr id="1" name=""/>
+        <p:cNvGrpSpPr/>
+        <p:nvPr/>
+      </p:nvGrpSpPr>
+      <p:grpSpPr>
+        <a:xfrm>
+          <a:off x="0" y="0"/>
+          <a:ext cx="0" cy="0"/>
+          <a:chOff x="0" y="0"/>
+          <a:chExt cx="0" cy="0"/>
+        </a:xfrm>
+      </p:grpSpPr>
+      <p:sp>
+        <p:nvSpPr>
+          <p:cNvPr id="5" name="內容版面配置區 4"/>
+          <p:cNvSpPr>
+            <a:spLocks noGrp="1"/>
+          </p:cNvSpPr>
+          <p:nvPr>
+            <p:ph idx="1"/>
+          </p:nvPr>
+        </p:nvSpPr>
+        <p:spPr>
+          <a:xfrm>
+            <a:off x="0" y="2084853"/>
+            <a:ext cx="12192000" cy="2404863"/>
+          </a:xfrm>
+        </p:spPr>
+        <p:txBody>
+          <a:bodyPr anchor="ctr">
+            <a:normAutofit/>
+          </a:bodyPr>
+          <a:lstStyle/>
+          <a:p>
+            <a:pPr marL="0" indent="0" algn="ctr">
+              <a:buNone/>
+            </a:pPr>
+            <a:r>
+              <a:rPr lang="zh-TW" altLang="en-US" sz="6400" b="1" dirty="0">
+                <a:solidFill>
+                  <a:srgbClr val="000066"/>
+                </a:solidFill>
+                <a:latin typeface="Microsoft JhengHei" panose="020B0604030504040204" pitchFamily="34" charset="-120"/>
+                <a:ea typeface="Microsoft JhengHei" panose="020B0604030504040204" pitchFamily="34" charset="-120"/>
+              </a:rPr>
+              <a:t>讚美</a:t>
+            </a:r>
+            <a:r>
+              <a:rPr lang="zh-CN" altLang="zh-TW" sz="6400" b="1" dirty="0">
+                <a:solidFill>
+                  <a:srgbClr val="000066"/>
+                </a:solidFill>
+                <a:latin typeface="Microsoft JhengHei" panose="020B0604030504040204" pitchFamily="34" charset="-120"/>
+                <a:ea typeface="Microsoft JhengHei" panose="020B0604030504040204" pitchFamily="34" charset="-120"/>
+              </a:rPr>
+              <a:t>耶穌</a:t>
+            </a:r>
+            <a:r>
+              <a:rPr lang="zh-TW" altLang="en-US" sz="6400" b="1" dirty="0">
+                <a:solidFill>
+                  <a:srgbClr val="000066"/>
+                </a:solidFill>
+                <a:latin typeface="Microsoft JhengHei" panose="020B0604030504040204" pitchFamily="34" charset="-120"/>
+                <a:ea typeface="Microsoft JhengHei" panose="020B0604030504040204" pitchFamily="34" charset="-120"/>
+              </a:rPr>
+              <a:t>  讚美耶穌</a:t>
+            </a:r>
+          </a:p>
+          <a:p>
+            <a:pPr marL="0" indent="0" algn="ctr">
+              <a:buNone/>
+            </a:pPr>
+            <a:r>
+              <a:rPr lang="zh-TW" altLang="en-US" sz="6400" b="1" dirty="0">
+                <a:solidFill>
+                  <a:srgbClr val="000066"/>
+                </a:solidFill>
+                <a:latin typeface="Microsoft JhengHei" panose="020B0604030504040204" pitchFamily="34" charset="-120"/>
+                <a:ea typeface="Microsoft JhengHei" panose="020B0604030504040204" pitchFamily="34" charset="-120"/>
+              </a:rPr>
+              <a:t>讚美主為罪人死</a:t>
+            </a:r>
+            <a:endParaRPr lang="zh-TW" altLang="en-US" sz="6400" b="1" dirty="0">
+              <a:solidFill>
+                <a:srgbClr val="000066"/>
+              </a:solidFill>
+              <a:latin typeface="Microsoft JhengHei" panose="020B0604030504040204" pitchFamily="34" charset="-120"/>
+              <a:ea typeface="Microsoft JhengHei" panose="020B0604030504040204" pitchFamily="34" charset="-120"/>
+            </a:endParaRPr>
+          </a:p>
+        </p:txBody>
+      </p:sp>
+    </p:spTree>
+    <p:extLst>
+      <p:ext uri="{BB962C8B-B14F-4D97-AF65-F5344CB8AC3E}">
+        <p14:creationId xmlns:p14="http://schemas.microsoft.com/office/powerpoint/2010/main" val="2005491571"/>
+      </p:ext>
+    </p:extLst>
+  </p:cSld>
+  <p:clrMapOvr>
+    <a:masterClrMapping/>
+  </p:clrMapOvr>
+  <p:timing>
+    <p:tnLst>
+      <p:par>
+        <p:cTn id="1" dur="indefinite" restart="never" nodeType="tmRoot"/>
+      </p:par>
+    </p:tnLst>
+  </p:timing>
+</p:sld>
+</file>
+
+<file path=ppt/slides/slide13.xml><?xml version="1.0" encoding="utf-8"?>
+<p:sld xmlns:a="http://schemas.openxmlformats.org/drawingml/2006/main" xmlns:r="http://schemas.openxmlformats.org/officeDocument/2006/relationships" xmlns:p="http://schemas.openxmlformats.org/presentationml/2006/main">
+  <p:cSld>
+    <p:spTree>
+      <p:nvGrpSpPr>
+        <p:cNvPr id="1" name=""/>
+        <p:cNvGrpSpPr/>
+        <p:nvPr/>
+      </p:nvGrpSpPr>
+      <p:grpSpPr>
+        <a:xfrm>
+          <a:off x="0" y="0"/>
+          <a:ext cx="0" cy="0"/>
+          <a:chOff x="0" y="0"/>
+          <a:chExt cx="0" cy="0"/>
+        </a:xfrm>
+      </p:grpSpPr>
+      <p:sp>
+        <p:nvSpPr>
+          <p:cNvPr id="5" name="內容版面配置區 4"/>
+          <p:cNvSpPr>
+            <a:spLocks noGrp="1"/>
+          </p:cNvSpPr>
+          <p:nvPr>
+            <p:ph idx="1"/>
+          </p:nvPr>
+        </p:nvSpPr>
+        <p:spPr>
+          <a:xfrm>
+            <a:off x="0" y="2084853"/>
+            <a:ext cx="12192000" cy="2404863"/>
+          </a:xfrm>
+        </p:spPr>
+        <p:txBody>
+          <a:bodyPr anchor="ctr">
+            <a:normAutofit/>
+          </a:bodyPr>
+          <a:lstStyle/>
+          <a:p>
+            <a:pPr marL="0" indent="0" algn="ctr">
+              <a:buNone/>
+            </a:pPr>
+            <a:r>
+              <a:rPr lang="zh-TW" altLang="en-US" sz="6400" b="1" dirty="0">
+                <a:solidFill>
+                  <a:srgbClr val="000066"/>
+                </a:solidFill>
+                <a:latin typeface="Microsoft JhengHei" panose="020B0604030504040204" pitchFamily="34" charset="-120"/>
+                <a:ea typeface="Microsoft JhengHei" panose="020B0604030504040204" pitchFamily="34" charset="-120"/>
+              </a:rPr>
+              <a:t>萬民當將榮耀歸主</a:t>
+            </a:r>
+          </a:p>
+          <a:p>
+            <a:pPr marL="0" indent="0" algn="ctr">
+              <a:buNone/>
+            </a:pPr>
+            <a:r>
+              <a:rPr lang="zh-TW" altLang="en-US" sz="6400" b="1" dirty="0">
+                <a:solidFill>
+                  <a:srgbClr val="000066"/>
+                </a:solidFill>
+                <a:latin typeface="Microsoft JhengHei" panose="020B0604030504040204" pitchFamily="34" charset="-120"/>
+                <a:ea typeface="Microsoft JhengHei" panose="020B0604030504040204" pitchFamily="34" charset="-120"/>
+              </a:rPr>
+              <a:t>因主血能洗淨</a:t>
+            </a:r>
+            <a:r>
+              <a:rPr lang="zh-CN" altLang="zh-TW" sz="6400" b="1" dirty="0">
+                <a:solidFill>
+                  <a:srgbClr val="000066"/>
+                </a:solidFill>
+                <a:latin typeface="Microsoft JhengHei" panose="020B0604030504040204" pitchFamily="34" charset="-120"/>
+                <a:ea typeface="Microsoft JhengHei" panose="020B0604030504040204" pitchFamily="34" charset="-120"/>
+              </a:rPr>
+              <a:t>眾</a:t>
+            </a:r>
+            <a:r>
+              <a:rPr lang="zh-TW" altLang="en-US" sz="6400" b="1" dirty="0">
+                <a:solidFill>
+                  <a:srgbClr val="000066"/>
+                </a:solidFill>
+                <a:latin typeface="Microsoft JhengHei" panose="020B0604030504040204" pitchFamily="34" charset="-120"/>
+                <a:ea typeface="Microsoft JhengHei" panose="020B0604030504040204" pitchFamily="34" charset="-120"/>
+              </a:rPr>
+              <a:t>罪汚</a:t>
+            </a:r>
+            <a:endParaRPr lang="zh-TW" altLang="en-US" sz="6400" b="1" dirty="0">
+              <a:solidFill>
+                <a:srgbClr val="000066"/>
+              </a:solidFill>
+              <a:latin typeface="Microsoft JhengHei" panose="020B0604030504040204" pitchFamily="34" charset="-120"/>
+              <a:ea typeface="Microsoft JhengHei" panose="020B0604030504040204" pitchFamily="34" charset="-120"/>
+            </a:endParaRPr>
+          </a:p>
+        </p:txBody>
+      </p:sp>
+    </p:spTree>
+    <p:extLst>
+      <p:ext uri="{BB962C8B-B14F-4D97-AF65-F5344CB8AC3E}">
+        <p14:creationId xmlns:p14="http://schemas.microsoft.com/office/powerpoint/2010/main" val="228468643"/>
+      </p:ext>
+    </p:extLst>
+  </p:cSld>
+  <p:clrMapOvr>
+    <a:masterClrMapping/>
+  </p:clrMapOvr>
+  <p:timing>
+    <p:tnLst>
+      <p:par>
+        <p:cTn id="1" dur="indefinite" restart="never" nodeType="tmRoot"/>
+      </p:par>
+    </p:tnLst>
+  </p:timing>
+</p:sld>
+</file>
+
+<file path=ppt/slides/slide14.xml><?xml version="1.0" encoding="utf-8"?>
+<p:sld xmlns:a="http://schemas.openxmlformats.org/drawingml/2006/main" xmlns:r="http://schemas.openxmlformats.org/officeDocument/2006/relationships" xmlns:p="http://schemas.openxmlformats.org/presentationml/2006/main">
+  <p:cSld>
+    <p:spTree>
+      <p:nvGrpSpPr>
+        <p:cNvPr id="1" name=""/>
+        <p:cNvGrpSpPr/>
+        <p:nvPr/>
+      </p:nvGrpSpPr>
+      <p:grpSpPr>
+        <a:xfrm>
+          <a:off x="0" y="0"/>
+          <a:ext cx="0" cy="0"/>
+          <a:chOff x="0" y="0"/>
+          <a:chExt cx="0" cy="0"/>
+        </a:xfrm>
+      </p:grpSpPr>
+      <p:sp>
+        <p:nvSpPr>
+          <p:cNvPr id="5" name="內容版面配置區 4"/>
+          <p:cNvSpPr>
+            <a:spLocks noGrp="1"/>
+          </p:cNvSpPr>
+          <p:nvPr>
+            <p:ph idx="1"/>
+          </p:nvPr>
+        </p:nvSpPr>
+        <p:spPr>
+          <a:xfrm>
+            <a:off x="0" y="2084853"/>
+            <a:ext cx="12192000" cy="2404863"/>
+          </a:xfrm>
+        </p:spPr>
+        <p:txBody>
+          <a:bodyPr anchor="ctr">
+            <a:normAutofit/>
+          </a:bodyPr>
+          <a:lstStyle/>
+          <a:p>
+            <a:pPr marL="0" indent="0" algn="ctr">
+              <a:buNone/>
+            </a:pPr>
+            <a:r>
+              <a:rPr lang="zh-TW" altLang="en-US" sz="6400" b="1" dirty="0">
+                <a:solidFill>
+                  <a:srgbClr val="000066"/>
+                </a:solidFill>
+                <a:latin typeface="Microsoft JhengHei" panose="020B0604030504040204" pitchFamily="34" charset="-120"/>
+                <a:ea typeface="Microsoft JhengHei" panose="020B0604030504040204" pitchFamily="34" charset="-120"/>
+              </a:rPr>
+              <a:t>榮耀榮耀歸</a:t>
+            </a:r>
+            <a:r>
+              <a:rPr lang="zh-CN" altLang="zh-TW" sz="6400" b="1" dirty="0">
+                <a:solidFill>
+                  <a:srgbClr val="000066"/>
+                </a:solidFill>
+                <a:latin typeface="Microsoft JhengHei" panose="020B0604030504040204" pitchFamily="34" charset="-120"/>
+                <a:ea typeface="Microsoft JhengHei" panose="020B0604030504040204" pitchFamily="34" charset="-120"/>
+              </a:rPr>
+              <a:t>與</a:t>
+            </a:r>
+            <a:r>
+              <a:rPr lang="zh-TW" altLang="en-US" sz="6400" b="1" dirty="0">
+                <a:solidFill>
+                  <a:srgbClr val="000066"/>
+                </a:solidFill>
+                <a:latin typeface="Microsoft JhengHei" panose="020B0604030504040204" pitchFamily="34" charset="-120"/>
+                <a:ea typeface="Microsoft JhengHei" panose="020B0604030504040204" pitchFamily="34" charset="-120"/>
+              </a:rPr>
+              <a:t>天父</a:t>
+            </a:r>
+          </a:p>
+          <a:p>
+            <a:pPr marL="0" indent="0" algn="ctr">
+              <a:buNone/>
+            </a:pPr>
+            <a:r>
+              <a:rPr lang="zh-TW" altLang="en-US" sz="6400" b="1" dirty="0">
+                <a:solidFill>
+                  <a:srgbClr val="000066"/>
+                </a:solidFill>
+                <a:latin typeface="Microsoft JhengHei" panose="020B0604030504040204" pitchFamily="34" charset="-120"/>
+                <a:ea typeface="Microsoft JhengHei" panose="020B0604030504040204" pitchFamily="34" charset="-120"/>
+              </a:rPr>
+              <a:t>榮耀榮耀歸耶穌</a:t>
+            </a:r>
+            <a:endParaRPr lang="zh-TW" altLang="en-US" sz="6400" b="1" dirty="0">
+              <a:solidFill>
+                <a:srgbClr val="000066"/>
+              </a:solidFill>
+              <a:latin typeface="Microsoft JhengHei" panose="020B0604030504040204" pitchFamily="34" charset="-120"/>
+              <a:ea typeface="Microsoft JhengHei" panose="020B0604030504040204" pitchFamily="34" charset="-120"/>
+            </a:endParaRPr>
+          </a:p>
+        </p:txBody>
+      </p:sp>
+      <p:sp>
+        <p:nvSpPr>
+          <p:cNvPr id="4" name="TextBox 3"/>
+          <p:cNvSpPr txBox="1"/>
+          <p:nvPr/>
+        </p:nvSpPr>
+        <p:spPr>
+          <a:xfrm>
+            <a:off x="0" y="5157194"/>
+            <a:ext cx="12192000" cy="830997"/>
+          </a:xfrm>
+          <a:prstGeom prst="rect">
+            <a:avLst/>
+          </a:prstGeom>
+          <a:noFill/>
+        </p:spPr>
+        <p:txBody>
+          <a:bodyPr wrap="square" rtlCol="0">
+            <a:spAutoFit/>
+          </a:bodyPr>
+          <a:lstStyle/>
+          <a:p>
+            <a:pPr algn="ctr"/>
+            <a:r>
+              <a:rPr lang="en-US" sz="4800" b="1" dirty="0">
+                <a:solidFill>
+                  <a:srgbClr val="000066"/>
+                </a:solidFill>
+              </a:rPr>
+              <a:t>( 4 )</a:t>
+            </a:r>
+            <a:endParaRPr lang="vi-VN" sz="4800" b="1" dirty="0">
+              <a:solidFill>
+                <a:srgbClr val="000066"/>
+              </a:solidFill>
+            </a:endParaRPr>
+          </a:p>
+        </p:txBody>
+      </p:sp>
+    </p:spTree>
+    <p:extLst>
+      <p:ext uri="{BB962C8B-B14F-4D97-AF65-F5344CB8AC3E}">
+        <p14:creationId xmlns:p14="http://schemas.microsoft.com/office/powerpoint/2010/main" val="165021844"/>
+      </p:ext>
+    </p:extLst>
+  </p:cSld>
+  <p:clrMapOvr>
+    <a:masterClrMapping/>
+  </p:clrMapOvr>
+  <p:timing>
+    <p:tnLst>
+      <p:par>
+        <p:cTn id="1" dur="indefinite" restart="never" nodeType="tmRoot"/>
+      </p:par>
+    </p:tnLst>
+  </p:timing>
+</p:sld>
+</file>
+
+<file path=ppt/slides/slide15.xml><?xml version="1.0" encoding="utf-8"?>
+<p:sld xmlns:a="http://schemas.openxmlformats.org/drawingml/2006/main" xmlns:r="http://schemas.openxmlformats.org/officeDocument/2006/relationships" xmlns:p="http://schemas.openxmlformats.org/presentationml/2006/main">
+  <p:cSld>
+    <p:spTree>
+      <p:nvGrpSpPr>
+        <p:cNvPr id="1" name=""/>
+        <p:cNvGrpSpPr/>
+        <p:nvPr/>
+      </p:nvGrpSpPr>
+      <p:grpSpPr>
+        <a:xfrm>
+          <a:off x="0" y="0"/>
+          <a:ext cx="0" cy="0"/>
+          <a:chOff x="0" y="0"/>
+          <a:chExt cx="0" cy="0"/>
+        </a:xfrm>
+      </p:grpSpPr>
+      <p:sp>
+        <p:nvSpPr>
+          <p:cNvPr id="5" name="內容版面配置區 4"/>
+          <p:cNvSpPr>
+            <a:spLocks noGrp="1"/>
+          </p:cNvSpPr>
+          <p:nvPr>
+            <p:ph idx="1"/>
+          </p:nvPr>
+        </p:nvSpPr>
+        <p:spPr>
+          <a:xfrm>
+            <a:off x="0" y="2084853"/>
+            <a:ext cx="12192000" cy="2404863"/>
+          </a:xfrm>
+        </p:spPr>
+        <p:txBody>
+          <a:bodyPr anchor="ctr">
+            <a:normAutofit/>
+          </a:bodyPr>
+          <a:lstStyle/>
+          <a:p>
+            <a:pPr marL="0" indent="0" algn="ctr">
+              <a:buNone/>
+            </a:pPr>
+            <a:r>
+              <a:rPr lang="zh-TW" altLang="en-US" sz="6400" b="1" dirty="0">
+                <a:solidFill>
+                  <a:srgbClr val="000066"/>
+                </a:solidFill>
+                <a:latin typeface="Microsoft JhengHei" panose="020B0604030504040204" pitchFamily="34" charset="-120"/>
+                <a:ea typeface="Microsoft JhengHei" panose="020B0604030504040204" pitchFamily="34" charset="-120"/>
+              </a:rPr>
+              <a:t>榮耀榮耀歸</a:t>
+            </a:r>
+            <a:r>
+              <a:rPr lang="zh-CN" altLang="zh-TW" sz="6400" b="1" dirty="0">
+                <a:solidFill>
+                  <a:srgbClr val="000066"/>
+                </a:solidFill>
+                <a:latin typeface="Microsoft JhengHei" panose="020B0604030504040204" pitchFamily="34" charset="-120"/>
+                <a:ea typeface="Microsoft JhengHei" panose="020B0604030504040204" pitchFamily="34" charset="-120"/>
+              </a:rPr>
+              <a:t>與</a:t>
+            </a:r>
+            <a:r>
+              <a:rPr lang="zh-TW" altLang="en-US" sz="6400" b="1" dirty="0">
+                <a:solidFill>
+                  <a:srgbClr val="000066"/>
+                </a:solidFill>
+                <a:latin typeface="Microsoft JhengHei" panose="020B0604030504040204" pitchFamily="34" charset="-120"/>
+                <a:ea typeface="Microsoft JhengHei" panose="020B0604030504040204" pitchFamily="34" charset="-120"/>
+              </a:rPr>
+              <a:t>聖靈</a:t>
+            </a:r>
+          </a:p>
+          <a:p>
+            <a:pPr marL="0" indent="0" algn="ctr">
+              <a:buNone/>
+            </a:pPr>
+            <a:r>
+              <a:rPr lang="zh-TW" altLang="en-US" sz="6400" b="1" dirty="0">
+                <a:solidFill>
+                  <a:srgbClr val="000066"/>
+                </a:solidFill>
+                <a:latin typeface="Microsoft JhengHei" panose="020B0604030504040204" pitchFamily="34" charset="-120"/>
+                <a:ea typeface="Microsoft JhengHei" panose="020B0604030504040204" pitchFamily="34" charset="-120"/>
+              </a:rPr>
+              <a:t>榮耀歸</a:t>
+            </a:r>
+            <a:r>
+              <a:rPr lang="zh-CN" altLang="zh-TW" sz="6400" b="1" dirty="0">
+                <a:solidFill>
+                  <a:srgbClr val="000066"/>
+                </a:solidFill>
+                <a:latin typeface="Microsoft JhengHei" panose="020B0604030504040204" pitchFamily="34" charset="-120"/>
+                <a:ea typeface="Microsoft JhengHei" panose="020B0604030504040204" pitchFamily="34" charset="-120"/>
+              </a:rPr>
+              <a:t>與</a:t>
+            </a:r>
+            <a:r>
+              <a:rPr lang="zh-TW" altLang="en-US" sz="6400" b="1" dirty="0">
+                <a:solidFill>
+                  <a:srgbClr val="000066"/>
+                </a:solidFill>
+                <a:latin typeface="Microsoft JhengHei" panose="020B0604030504040204" pitchFamily="34" charset="-120"/>
+                <a:ea typeface="Microsoft JhengHei" panose="020B0604030504040204" pitchFamily="34" charset="-120"/>
+              </a:rPr>
+              <a:t>三一主</a:t>
+            </a:r>
+            <a:endParaRPr lang="zh-TW" altLang="en-US" sz="6400" b="1" dirty="0">
+              <a:solidFill>
+                <a:srgbClr val="000066"/>
+              </a:solidFill>
+              <a:latin typeface="Microsoft JhengHei" panose="020B0604030504040204" pitchFamily="34" charset="-120"/>
+              <a:ea typeface="Microsoft JhengHei" panose="020B0604030504040204" pitchFamily="34" charset="-120"/>
+            </a:endParaRPr>
+          </a:p>
+        </p:txBody>
+      </p:sp>
+      <p:sp>
+        <p:nvSpPr>
+          <p:cNvPr id="4" name="TextBox 3"/>
+          <p:cNvSpPr txBox="1"/>
+          <p:nvPr/>
+        </p:nvSpPr>
+        <p:spPr>
+          <a:xfrm>
+            <a:off x="0" y="5157194"/>
+            <a:ext cx="12192000" cy="830997"/>
+          </a:xfrm>
+          <a:prstGeom prst="rect">
+            <a:avLst/>
+          </a:prstGeom>
+          <a:noFill/>
+        </p:spPr>
+        <p:txBody>
+          <a:bodyPr wrap="square" rtlCol="0">
+            <a:spAutoFit/>
+          </a:bodyPr>
+          <a:lstStyle/>
+          <a:p>
+            <a:pPr algn="ctr"/>
+            <a:r>
+              <a:rPr lang="en-US" sz="4800" b="1" dirty="0">
+                <a:solidFill>
+                  <a:srgbClr val="000066"/>
+                </a:solidFill>
+              </a:rPr>
+              <a:t>( 4 )</a:t>
+            </a:r>
+            <a:endParaRPr lang="vi-VN" sz="4800" b="1" dirty="0">
+              <a:solidFill>
+                <a:srgbClr val="000066"/>
+              </a:solidFill>
+            </a:endParaRPr>
+          </a:p>
+        </p:txBody>
+      </p:sp>
+    </p:spTree>
+    <p:extLst>
+      <p:ext uri="{BB962C8B-B14F-4D97-AF65-F5344CB8AC3E}">
+        <p14:creationId xmlns:p14="http://schemas.microsoft.com/office/powerpoint/2010/main" val="1726879323"/>
+      </p:ext>
+    </p:extLst>
+  </p:cSld>
+  <p:clrMapOvr>
+    <a:masterClrMapping/>
+  </p:clrMapOvr>
+  <p:timing>
+    <p:tnLst>
+      <p:par>
+        <p:cTn id="1" dur="indefinite" restart="never" nodeType="tmRoot"/>
+      </p:par>
+    </p:tnLst>
+  </p:timing>
+</p:sld>
+</file>
+
+<file path=ppt/slides/slide16.xml><?xml version="1.0" encoding="utf-8"?>
+<p:sld xmlns:a="http://schemas.openxmlformats.org/drawingml/2006/main" xmlns:r="http://schemas.openxmlformats.org/officeDocument/2006/relationships" xmlns:p="http://schemas.openxmlformats.org/presentationml/2006/main">
+  <p:cSld>
+    <p:spTree>
+      <p:nvGrpSpPr>
+        <p:cNvPr id="1" name=""/>
+        <p:cNvGrpSpPr/>
+        <p:nvPr/>
+      </p:nvGrpSpPr>
+      <p:grpSpPr>
+        <a:xfrm>
+          <a:off x="0" y="0"/>
+          <a:ext cx="0" cy="0"/>
+          <a:chOff x="0" y="0"/>
+          <a:chExt cx="0" cy="0"/>
+        </a:xfrm>
+      </p:grpSpPr>
+      <p:sp>
+        <p:nvSpPr>
+          <p:cNvPr id="5" name="內容版面配置區 4"/>
+          <p:cNvSpPr>
+            <a:spLocks noGrp="1"/>
+          </p:cNvSpPr>
+          <p:nvPr>
+            <p:ph idx="1"/>
+          </p:nvPr>
+        </p:nvSpPr>
+        <p:spPr>
+          <a:xfrm>
+            <a:off x="0" y="2084853"/>
+            <a:ext cx="12192000" cy="2404863"/>
+          </a:xfrm>
+        </p:spPr>
+        <p:txBody>
+          <a:bodyPr anchor="ctr">
+            <a:normAutofit/>
+          </a:bodyPr>
+          <a:lstStyle/>
+          <a:p>
+            <a:pPr marL="0" indent="0" algn="ctr">
+              <a:buNone/>
+            </a:pPr>
+            <a:r>
+              <a:rPr lang="zh-TW" altLang="en-US" sz="6400" b="1" dirty="0">
+                <a:solidFill>
+                  <a:srgbClr val="000066"/>
+                </a:solidFill>
+                <a:latin typeface="Microsoft JhengHei" panose="020B0604030504040204" pitchFamily="34" charset="-120"/>
+                <a:ea typeface="Microsoft JhengHei" panose="020B0604030504040204" pitchFamily="34" charset="-120"/>
+              </a:rPr>
+              <a:t>讚美</a:t>
+            </a:r>
+            <a:r>
+              <a:rPr lang="zh-CN" altLang="zh-TW" sz="6400" b="1" dirty="0">
+                <a:solidFill>
+                  <a:srgbClr val="000066"/>
+                </a:solidFill>
+                <a:latin typeface="Microsoft JhengHei" panose="020B0604030504040204" pitchFamily="34" charset="-120"/>
+                <a:ea typeface="Microsoft JhengHei" panose="020B0604030504040204" pitchFamily="34" charset="-120"/>
+              </a:rPr>
+              <a:t>耶穌</a:t>
+            </a:r>
+            <a:r>
+              <a:rPr lang="zh-TW" altLang="en-US" sz="6400" b="1" dirty="0">
+                <a:solidFill>
+                  <a:srgbClr val="000066"/>
+                </a:solidFill>
+                <a:latin typeface="Microsoft JhengHei" panose="020B0604030504040204" pitchFamily="34" charset="-120"/>
+                <a:ea typeface="Microsoft JhengHei" panose="020B0604030504040204" pitchFamily="34" charset="-120"/>
+              </a:rPr>
+              <a:t>  讚美耶穌</a:t>
+            </a:r>
+          </a:p>
+          <a:p>
+            <a:pPr marL="0" indent="0" algn="ctr">
+              <a:buNone/>
+            </a:pPr>
+            <a:r>
+              <a:rPr lang="zh-TW" altLang="en-US" sz="6400" b="1" dirty="0">
+                <a:solidFill>
+                  <a:srgbClr val="000066"/>
+                </a:solidFill>
+                <a:latin typeface="Microsoft JhengHei" panose="020B0604030504040204" pitchFamily="34" charset="-120"/>
+                <a:ea typeface="Microsoft JhengHei" panose="020B0604030504040204" pitchFamily="34" charset="-120"/>
+              </a:rPr>
+              <a:t>讚美主為罪人死</a:t>
+            </a:r>
+            <a:endParaRPr lang="zh-TW" altLang="en-US" sz="6400" b="1" dirty="0">
+              <a:solidFill>
+                <a:srgbClr val="000066"/>
+              </a:solidFill>
+              <a:latin typeface="Microsoft JhengHei" panose="020B0604030504040204" pitchFamily="34" charset="-120"/>
+              <a:ea typeface="Microsoft JhengHei" panose="020B0604030504040204" pitchFamily="34" charset="-120"/>
+            </a:endParaRPr>
+          </a:p>
+        </p:txBody>
+      </p:sp>
+    </p:spTree>
+    <p:extLst>
+      <p:ext uri="{BB962C8B-B14F-4D97-AF65-F5344CB8AC3E}">
+        <p14:creationId xmlns:p14="http://schemas.microsoft.com/office/powerpoint/2010/main" val="2478572980"/>
+      </p:ext>
+    </p:extLst>
+  </p:cSld>
+  <p:clrMapOvr>
+    <a:masterClrMapping/>
+  </p:clrMapOvr>
+  <p:timing>
+    <p:tnLst>
+      <p:par>
+        <p:cTn id="1" dur="indefinite" restart="never" nodeType="tmRoot"/>
+      </p:par>
+    </p:tnLst>
+  </p:timing>
+</p:sld>
+</file>
+
+<file path=ppt/slides/slide17.xml><?xml version="1.0" encoding="utf-8"?>
+<p:sld xmlns:a="http://schemas.openxmlformats.org/drawingml/2006/main" xmlns:r="http://schemas.openxmlformats.org/officeDocument/2006/relationships" xmlns:p="http://schemas.openxmlformats.org/presentationml/2006/main">
+  <p:cSld>
+    <p:spTree>
+      <p:nvGrpSpPr>
+        <p:cNvPr id="1" name=""/>
+        <p:cNvGrpSpPr/>
+        <p:nvPr/>
+      </p:nvGrpSpPr>
+      <p:grpSpPr>
+        <a:xfrm>
+          <a:off x="0" y="0"/>
+          <a:ext cx="0" cy="0"/>
+          <a:chOff x="0" y="0"/>
+          <a:chExt cx="0" cy="0"/>
+        </a:xfrm>
+      </p:grpSpPr>
+      <p:sp>
+        <p:nvSpPr>
+          <p:cNvPr id="5" name="內容版面配置區 4"/>
+          <p:cNvSpPr>
+            <a:spLocks noGrp="1"/>
+          </p:cNvSpPr>
+          <p:nvPr>
+            <p:ph idx="1"/>
+          </p:nvPr>
+        </p:nvSpPr>
+        <p:spPr>
+          <a:xfrm>
+            <a:off x="0" y="2084853"/>
+            <a:ext cx="12192000" cy="2404863"/>
+          </a:xfrm>
+        </p:spPr>
+        <p:txBody>
+          <a:bodyPr anchor="ctr">
+            <a:normAutofit/>
+          </a:bodyPr>
+          <a:lstStyle/>
+          <a:p>
+            <a:pPr marL="0" indent="0" algn="ctr">
+              <a:buNone/>
+            </a:pPr>
+            <a:r>
+              <a:rPr lang="zh-TW" altLang="en-US" sz="6400" b="1" dirty="0">
+                <a:solidFill>
+                  <a:srgbClr val="000066"/>
+                </a:solidFill>
+                <a:latin typeface="Microsoft JhengHei" panose="020B0604030504040204" pitchFamily="34" charset="-120"/>
+                <a:ea typeface="Microsoft JhengHei" panose="020B0604030504040204" pitchFamily="34" charset="-120"/>
+              </a:rPr>
+              <a:t>萬民當將榮耀歸主</a:t>
+            </a:r>
+          </a:p>
+          <a:p>
+            <a:pPr marL="0" indent="0" algn="ctr">
+              <a:buNone/>
+            </a:pPr>
+            <a:r>
+              <a:rPr lang="zh-TW" altLang="en-US" sz="6400" b="1" dirty="0">
+                <a:solidFill>
+                  <a:srgbClr val="000066"/>
+                </a:solidFill>
+                <a:latin typeface="Microsoft JhengHei" panose="020B0604030504040204" pitchFamily="34" charset="-120"/>
+                <a:ea typeface="Microsoft JhengHei" panose="020B0604030504040204" pitchFamily="34" charset="-120"/>
+              </a:rPr>
+              <a:t>因主血能洗淨</a:t>
+            </a:r>
+            <a:r>
+              <a:rPr lang="zh-CN" altLang="zh-TW" sz="6400" b="1" dirty="0">
+                <a:solidFill>
+                  <a:srgbClr val="000066"/>
+                </a:solidFill>
+                <a:latin typeface="Microsoft JhengHei" panose="020B0604030504040204" pitchFamily="34" charset="-120"/>
+                <a:ea typeface="Microsoft JhengHei" panose="020B0604030504040204" pitchFamily="34" charset="-120"/>
+              </a:rPr>
+              <a:t>眾</a:t>
+            </a:r>
+            <a:r>
+              <a:rPr lang="zh-TW" altLang="en-US" sz="6400" b="1" dirty="0">
+                <a:solidFill>
+                  <a:srgbClr val="000066"/>
+                </a:solidFill>
+                <a:latin typeface="Microsoft JhengHei" panose="020B0604030504040204" pitchFamily="34" charset="-120"/>
+                <a:ea typeface="Microsoft JhengHei" panose="020B0604030504040204" pitchFamily="34" charset="-120"/>
+              </a:rPr>
+              <a:t>罪汚</a:t>
+            </a:r>
+            <a:endParaRPr lang="zh-TW" altLang="en-US" sz="6400" b="1" dirty="0">
+              <a:solidFill>
+                <a:srgbClr val="000066"/>
+              </a:solidFill>
+              <a:latin typeface="Microsoft JhengHei" panose="020B0604030504040204" pitchFamily="34" charset="-120"/>
+              <a:ea typeface="Microsoft JhengHei" panose="020B0604030504040204" pitchFamily="34" charset="-120"/>
+            </a:endParaRPr>
+          </a:p>
+        </p:txBody>
+      </p:sp>
+    </p:spTree>
+    <p:extLst>
+      <p:ext uri="{BB962C8B-B14F-4D97-AF65-F5344CB8AC3E}">
+        <p14:creationId xmlns:p14="http://schemas.microsoft.com/office/powerpoint/2010/main" val="3018872734"/>
+      </p:ext>
+    </p:extLst>
+  </p:cSld>
+  <p:clrMapOvr>
+    <a:masterClrMapping/>
+  </p:clrMapOvr>
+  <p:timing>
+    <p:tnLst>
+      <p:par>
+        <p:cTn id="1" dur="indefinite" restart="never" nodeType="tmRoot"/>
+      </p:par>
+    </p:tnLst>
+  </p:timing>
 </p:sld>
 </file>
 
@@ -3967,187 +4982,120 @@
       </p:grpSpPr>
       <p:sp>
         <p:nvSpPr>
-          <p:cNvPr id="4" name="Title 3"/>
-          <p:cNvSpPr>
-            <a:spLocks noGrp="1"/>
-          </p:cNvSpPr>
-          <p:nvPr>
-            <p:ph type="title"/>
-          </p:nvPr>
-        </p:nvSpPr>
-        <p:spPr/>
-        <p:txBody>
-          <a:bodyPr>
+          <p:cNvPr id="5" name="內容版面配置區 4"/>
+          <p:cNvSpPr>
+            <a:spLocks noGrp="1"/>
+          </p:cNvSpPr>
+          <p:nvPr>
+            <p:ph idx="1"/>
+          </p:nvPr>
+        </p:nvSpPr>
+        <p:spPr>
+          <a:xfrm>
+            <a:off x="0" y="2084853"/>
+            <a:ext cx="12192000" cy="2404863"/>
+          </a:xfrm>
+        </p:spPr>
+        <p:txBody>
+          <a:bodyPr anchor="ctr">
             <a:normAutofit/>
           </a:bodyPr>
           <a:lstStyle/>
           <a:p>
-            <a:r>
-              <a:rPr lang="en-US" altLang="zh-CN" sz="4800" b="1" dirty="0">
-                <a:solidFill>
-                  <a:srgbClr val="002060"/>
+            <a:pPr marL="0" indent="0" algn="ctr">
+              <a:buNone/>
+            </a:pPr>
+            <a:r>
+              <a:rPr lang="zh-TW" altLang="en-US" sz="6400" b="1" dirty="0">
+                <a:solidFill>
+                  <a:srgbClr val="000066"/>
                 </a:solidFill>
                 <a:latin typeface="Microsoft JhengHei" panose="020B0604030504040204" pitchFamily="34" charset="-120"/>
                 <a:ea typeface="Microsoft JhengHei" panose="020B0604030504040204" pitchFamily="34" charset="-120"/>
               </a:rPr>
-              <a:t>【</a:t>
-            </a:r>
-            <a:r>
-              <a:rPr lang="zh-CN" altLang="en-US" sz="4800" b="1" dirty="0">
-                <a:solidFill>
-                  <a:srgbClr val="002060"/>
+              <a:t>當我見那寶貴血泉</a:t>
+            </a:r>
+          </a:p>
+          <a:p>
+            <a:pPr marL="0" indent="0" algn="ctr">
+              <a:buNone/>
+            </a:pPr>
+            <a:r>
+              <a:rPr lang="zh-TW" altLang="en-US" sz="6400" b="1" dirty="0">
+                <a:solidFill>
+                  <a:srgbClr val="000066"/>
                 </a:solidFill>
                 <a:latin typeface="Microsoft JhengHei" panose="020B0604030504040204" pitchFamily="34" charset="-120"/>
                 <a:ea typeface="Microsoft JhengHei" panose="020B0604030504040204" pitchFamily="34" charset="-120"/>
               </a:rPr>
-              <a:t>讚美耶穌</a:t>
-            </a:r>
-            <a:r>
-              <a:rPr lang="en-US" altLang="zh-CN" sz="4800" b="1" dirty="0">
-                <a:solidFill>
-                  <a:srgbClr val="002060"/>
-                </a:solidFill>
-                <a:latin typeface="Microsoft JhengHei" panose="020B0604030504040204" pitchFamily="34" charset="-120"/>
-                <a:ea typeface="Microsoft JhengHei" panose="020B0604030504040204" pitchFamily="34" charset="-120"/>
-              </a:rPr>
-              <a:t>】</a:t>
-            </a:r>
-          </a:p>
-        </p:txBody>
-      </p:sp>
-      <p:sp>
-        <p:nvSpPr>
-          <p:cNvPr id="5" name="Content Placeholder 4"/>
-          <p:cNvSpPr>
-            <a:spLocks noGrp="1"/>
-          </p:cNvSpPr>
-          <p:nvPr>
-            <p:ph idx="1"/>
-          </p:nvPr>
+              <a:t>要洗我一切罪孽</a:t>
+            </a:r>
+            <a:endParaRPr lang="zh-TW" altLang="en-US" sz="6400" b="1" dirty="0">
+              <a:solidFill>
+                <a:srgbClr val="000066"/>
+              </a:solidFill>
+              <a:latin typeface="Microsoft JhengHei" panose="020B0604030504040204" pitchFamily="34" charset="-120"/>
+              <a:ea typeface="Microsoft JhengHei" panose="020B0604030504040204" pitchFamily="34" charset="-120"/>
+            </a:endParaRPr>
+          </a:p>
+        </p:txBody>
+      </p:sp>
+      <p:sp>
+        <p:nvSpPr>
+          <p:cNvPr id="4" name="TextBox 3"/>
+          <p:cNvSpPr txBox="1"/>
+          <p:nvPr/>
         </p:nvSpPr>
         <p:spPr>
           <a:xfrm>
-            <a:off x="0" y="1600202"/>
-            <a:ext cx="12192000" cy="4525963"/>
+            <a:off x="0" y="5157194"/>
+            <a:ext cx="12192000" cy="830997"/>
           </a:xfrm>
+          <a:prstGeom prst="rect">
+            <a:avLst/>
+          </a:prstGeom>
+          <a:noFill/>
         </p:spPr>
         <p:txBody>
-          <a:bodyPr>
-            <a:normAutofit/>
+          <a:bodyPr wrap="square" rtlCol="0">
+            <a:spAutoFit/>
           </a:bodyPr>
           <a:lstStyle/>
           <a:p>
-            <a:pPr marL="0" indent="0" algn="ctr">
-              <a:buNone/>
-            </a:pPr>
-            <a:r>
-              <a:rPr lang="zh-TW" altLang="en-US" sz="5400" b="1" dirty="0">
-                <a:solidFill>
-                  <a:srgbClr val="002060"/>
-                </a:solidFill>
-                <a:latin typeface="Microsoft JhengHei" panose="020B0604030504040204" pitchFamily="34" charset="-120"/>
-                <a:ea typeface="Microsoft JhengHei" panose="020B0604030504040204" pitchFamily="34" charset="-120"/>
+            <a:pPr algn="ctr"/>
+            <a:r>
+              <a:rPr lang="en-US" sz="4800" b="1" dirty="0">
+                <a:solidFill>
+                  <a:srgbClr val="000066"/>
+                </a:solidFill>
               </a:rPr>
-              <a:t>讚美</a:t>
-            </a:r>
-            <a:r>
-              <a:rPr lang="zh-CN" altLang="zh-TW" sz="5400" b="1" dirty="0">
-                <a:solidFill>
-                  <a:srgbClr val="002060"/>
-                </a:solidFill>
-                <a:latin typeface="Microsoft JhengHei" panose="020B0604030504040204" pitchFamily="34" charset="-120"/>
-                <a:ea typeface="Microsoft JhengHei" panose="020B0604030504040204" pitchFamily="34" charset="-120"/>
-              </a:rPr>
-              <a:t>耶穌</a:t>
-            </a:r>
-            <a:r>
-              <a:rPr lang="zh-TW" altLang="en-US" sz="5400" b="1" dirty="0">
-                <a:solidFill>
-                  <a:srgbClr val="002060"/>
-                </a:solidFill>
-                <a:latin typeface="Microsoft JhengHei" panose="020B0604030504040204" pitchFamily="34" charset="-120"/>
-                <a:ea typeface="Microsoft JhengHei" panose="020B0604030504040204" pitchFamily="34" charset="-120"/>
-              </a:rPr>
-              <a:t>  讚美耶穌</a:t>
-            </a:r>
-          </a:p>
-          <a:p>
-            <a:pPr marL="0" indent="0" algn="ctr">
-              <a:buNone/>
-            </a:pPr>
-            <a:r>
-              <a:rPr lang="zh-TW" altLang="en-US" sz="5400" b="1" dirty="0">
-                <a:solidFill>
-                  <a:srgbClr val="002060"/>
-                </a:solidFill>
-                <a:latin typeface="Microsoft JhengHei" panose="020B0604030504040204" pitchFamily="34" charset="-120"/>
-                <a:ea typeface="Microsoft JhengHei" panose="020B0604030504040204" pitchFamily="34" charset="-120"/>
-              </a:rPr>
-              <a:t>讚美主為罪人死</a:t>
-            </a:r>
-          </a:p>
-          <a:p>
-            <a:pPr marL="0" indent="0" algn="ctr">
-              <a:buNone/>
-            </a:pPr>
-            <a:r>
-              <a:rPr lang="zh-TW" altLang="en-US" sz="5400" b="1" dirty="0">
-                <a:solidFill>
-                  <a:srgbClr val="002060"/>
-                </a:solidFill>
-                <a:latin typeface="Microsoft JhengHei" panose="020B0604030504040204" pitchFamily="34" charset="-120"/>
-                <a:ea typeface="Microsoft JhengHei" panose="020B0604030504040204" pitchFamily="34" charset="-120"/>
-              </a:rPr>
-              <a:t>萬民當將榮耀歸主</a:t>
-            </a:r>
-          </a:p>
-          <a:p>
-            <a:pPr marL="0" indent="0" algn="ctr">
-              <a:buNone/>
-            </a:pPr>
-            <a:r>
-              <a:rPr lang="zh-TW" altLang="en-US" sz="5400" b="1" dirty="0">
-                <a:solidFill>
-                  <a:srgbClr val="002060"/>
-                </a:solidFill>
-                <a:latin typeface="Microsoft JhengHei" panose="020B0604030504040204" pitchFamily="34" charset="-120"/>
-                <a:ea typeface="Microsoft JhengHei" panose="020B0604030504040204" pitchFamily="34" charset="-120"/>
-              </a:rPr>
-              <a:t>因主血能洗淨</a:t>
-            </a:r>
-            <a:r>
-              <a:rPr lang="zh-CN" altLang="zh-TW" sz="5400" b="1" dirty="0">
-                <a:solidFill>
-                  <a:srgbClr val="002060"/>
-                </a:solidFill>
-                <a:latin typeface="Microsoft JhengHei" panose="020B0604030504040204" pitchFamily="34" charset="-120"/>
-                <a:ea typeface="Microsoft JhengHei" panose="020B0604030504040204" pitchFamily="34" charset="-120"/>
-              </a:rPr>
-              <a:t>眾</a:t>
-            </a:r>
-            <a:r>
-              <a:rPr lang="zh-TW" altLang="en-US" sz="5400" b="1" dirty="0">
-                <a:solidFill>
-                  <a:srgbClr val="002060"/>
-                </a:solidFill>
-                <a:latin typeface="Microsoft JhengHei" panose="020B0604030504040204" pitchFamily="34" charset="-120"/>
-                <a:ea typeface="Microsoft JhengHei" panose="020B0604030504040204" pitchFamily="34" charset="-120"/>
-              </a:rPr>
-              <a:t>罪汚</a:t>
-            </a:r>
+              <a:t>( 1 )</a:t>
+            </a:r>
+            <a:endParaRPr lang="vi-VN" sz="4800" b="1" dirty="0">
+              <a:solidFill>
+                <a:srgbClr val="000066"/>
+              </a:solidFill>
+            </a:endParaRPr>
           </a:p>
         </p:txBody>
       </p:sp>
     </p:spTree>
     <p:extLst>
       <p:ext uri="{BB962C8B-B14F-4D97-AF65-F5344CB8AC3E}">
-        <p14:creationId xmlns:p14="http://schemas.microsoft.com/office/powerpoint/2010/main" val="845903688"/>
+        <p14:creationId xmlns:p14="http://schemas.microsoft.com/office/powerpoint/2010/main" val="18805072"/>
       </p:ext>
     </p:extLst>
   </p:cSld>
   <p:clrMapOvr>
     <a:masterClrMapping/>
   </p:clrMapOvr>
+  <p:timing>
+    <p:tnLst>
+      <p:par>
+        <p:cTn id="1" dur="indefinite" restart="never" nodeType="tmRoot"/>
+      </p:par>
+    </p:tnLst>
+  </p:timing>
 </p:sld>
 </file>
 
@@ -4170,159 +5118,82 @@
       </p:grpSpPr>
       <p:sp>
         <p:nvSpPr>
-          <p:cNvPr id="4" name="Title 3"/>
-          <p:cNvSpPr>
-            <a:spLocks noGrp="1"/>
-          </p:cNvSpPr>
-          <p:nvPr>
-            <p:ph type="title"/>
-          </p:nvPr>
-        </p:nvSpPr>
-        <p:spPr/>
-        <p:txBody>
-          <a:bodyPr>
+          <p:cNvPr id="5" name="內容版面配置區 4"/>
+          <p:cNvSpPr>
+            <a:spLocks noGrp="1"/>
+          </p:cNvSpPr>
+          <p:nvPr>
+            <p:ph idx="1"/>
+          </p:nvPr>
+        </p:nvSpPr>
+        <p:spPr>
+          <a:xfrm>
+            <a:off x="0" y="2084853"/>
+            <a:ext cx="12192000" cy="2404863"/>
+          </a:xfrm>
+        </p:spPr>
+        <p:txBody>
+          <a:bodyPr anchor="ctr">
             <a:normAutofit/>
           </a:bodyPr>
           <a:lstStyle/>
           <a:p>
-            <a:r>
-              <a:rPr lang="en-US" altLang="zh-CN" sz="4800" b="1" dirty="0">
-                <a:solidFill>
-                  <a:srgbClr val="002060"/>
+            <a:pPr marL="0" indent="0" algn="ctr">
+              <a:buNone/>
+            </a:pPr>
+            <a:r>
+              <a:rPr lang="zh-TW" altLang="en-US" sz="6400" b="1" dirty="0">
+                <a:solidFill>
+                  <a:srgbClr val="000066"/>
                 </a:solidFill>
                 <a:latin typeface="Microsoft JhengHei" panose="020B0604030504040204" pitchFamily="34" charset="-120"/>
                 <a:ea typeface="Microsoft JhengHei" panose="020B0604030504040204" pitchFamily="34" charset="-120"/>
               </a:rPr>
-              <a:t>【</a:t>
-            </a:r>
-            <a:r>
-              <a:rPr lang="zh-CN" altLang="en-US" sz="4800" b="1" dirty="0">
-                <a:solidFill>
-                  <a:srgbClr val="002060"/>
+              <a:t>心中隱聞聖靈微聲</a:t>
+            </a:r>
+          </a:p>
+          <a:p>
+            <a:pPr marL="0" indent="0" algn="ctr">
+              <a:buNone/>
+            </a:pPr>
+            <a:r>
+              <a:rPr lang="zh-TW" altLang="en-US" sz="6400" b="1" dirty="0">
+                <a:solidFill>
+                  <a:srgbClr val="000066"/>
                 </a:solidFill>
                 <a:latin typeface="Microsoft JhengHei" panose="020B0604030504040204" pitchFamily="34" charset="-120"/>
                 <a:ea typeface="Microsoft JhengHei" panose="020B0604030504040204" pitchFamily="34" charset="-120"/>
               </a:rPr>
-              <a:t>讚美耶穌</a:t>
-            </a:r>
-            <a:r>
-              <a:rPr lang="en-US" altLang="zh-CN" sz="4800" b="1" dirty="0">
-                <a:solidFill>
-                  <a:srgbClr val="002060"/>
-                </a:solidFill>
-                <a:latin typeface="Microsoft JhengHei" panose="020B0604030504040204" pitchFamily="34" charset="-120"/>
-                <a:ea typeface="Microsoft JhengHei" panose="020B0604030504040204" pitchFamily="34" charset="-120"/>
-              </a:rPr>
-              <a:t>】</a:t>
-            </a:r>
-          </a:p>
-        </p:txBody>
-      </p:sp>
-      <p:sp>
-        <p:nvSpPr>
-          <p:cNvPr id="5" name="Content Placeholder 4"/>
-          <p:cNvSpPr>
-            <a:spLocks noGrp="1"/>
-          </p:cNvSpPr>
-          <p:nvPr>
-            <p:ph idx="1"/>
-          </p:nvPr>
+              <a:t>問説  你願否清潔</a:t>
+            </a:r>
+            <a:endParaRPr lang="zh-TW" altLang="en-US" sz="6400" b="1" dirty="0">
+              <a:solidFill>
+                <a:srgbClr val="000066"/>
+              </a:solidFill>
+              <a:latin typeface="Microsoft JhengHei" panose="020B0604030504040204" pitchFamily="34" charset="-120"/>
+              <a:ea typeface="Microsoft JhengHei" panose="020B0604030504040204" pitchFamily="34" charset="-120"/>
+            </a:endParaRPr>
+          </a:p>
+        </p:txBody>
+      </p:sp>
+      <p:sp>
+        <p:nvSpPr>
+          <p:cNvPr id="4" name="TextBox 3"/>
+          <p:cNvSpPr txBox="1"/>
+          <p:nvPr/>
         </p:nvSpPr>
         <p:spPr>
           <a:xfrm>
-            <a:off x="0" y="1600202"/>
-            <a:ext cx="12192000" cy="4525963"/>
-          </a:xfrm>
-        </p:spPr>
-        <p:txBody>
-          <a:bodyPr>
-            <a:normAutofit/>
-          </a:bodyPr>
-          <a:lstStyle/>
-          <a:p>
-            <a:pPr marL="0" indent="0" algn="ctr">
-              <a:buNone/>
-            </a:pPr>
-            <a:r>
-              <a:rPr lang="zh-TW" altLang="en-US" sz="5400" b="1" dirty="0">
-                <a:solidFill>
-                  <a:srgbClr val="002060"/>
-                </a:solidFill>
-                <a:latin typeface="Microsoft JhengHei" panose="020B0604030504040204" pitchFamily="34" charset="-120"/>
-                <a:ea typeface="Microsoft JhengHei" panose="020B0604030504040204" pitchFamily="34" charset="-120"/>
-              </a:rPr>
-              <a:t>頌讚永歸耶穌聖名</a:t>
-            </a:r>
-          </a:p>
-          <a:p>
-            <a:pPr marL="0" indent="0" algn="ctr">
-              <a:buNone/>
-            </a:pPr>
-            <a:r>
-              <a:rPr lang="zh-TW" altLang="en-US" sz="5400" b="1" dirty="0">
-                <a:solidFill>
-                  <a:srgbClr val="002060"/>
-                </a:solidFill>
-                <a:latin typeface="Microsoft JhengHei" panose="020B0604030504040204" pitchFamily="34" charset="-120"/>
-                <a:ea typeface="Microsoft JhengHei" panose="020B0604030504040204" pitchFamily="34" charset="-120"/>
-              </a:rPr>
-              <a:t>因主歡喜收罪人</a:t>
-            </a:r>
-          </a:p>
-          <a:p>
-            <a:pPr marL="0" indent="0" algn="ctr">
-              <a:buNone/>
-            </a:pPr>
-            <a:r>
-              <a:rPr lang="zh-TW" altLang="en-US" sz="5400" b="1" dirty="0">
-                <a:solidFill>
-                  <a:srgbClr val="002060"/>
-                </a:solidFill>
-                <a:latin typeface="Microsoft JhengHei" panose="020B0604030504040204" pitchFamily="34" charset="-120"/>
-                <a:ea typeface="Microsoft JhengHei" panose="020B0604030504040204" pitchFamily="34" charset="-120"/>
-              </a:rPr>
-              <a:t>白白赦我一切罪惡</a:t>
-            </a:r>
-          </a:p>
-          <a:p>
-            <a:pPr marL="0" indent="0" algn="ctr">
-              <a:buNone/>
-            </a:pPr>
-            <a:r>
-              <a:rPr lang="zh-TW" altLang="en-US" sz="5400" b="1" dirty="0">
-                <a:solidFill>
-                  <a:srgbClr val="002060"/>
-                </a:solidFill>
-                <a:latin typeface="Microsoft JhengHei" panose="020B0604030504040204" pitchFamily="34" charset="-120"/>
-                <a:ea typeface="Microsoft JhengHei" panose="020B0604030504040204" pitchFamily="34" charset="-120"/>
-              </a:rPr>
-              <a:t>洗浄我的汚穢心</a:t>
-            </a:r>
-          </a:p>
-        </p:txBody>
-      </p:sp>
-      <p:sp>
-        <p:nvSpPr>
-          <p:cNvPr id="6" name="Text Box 1"/>
-          <p:cNvSpPr txBox="1"/>
-          <p:nvPr/>
-        </p:nvSpPr>
-        <p:spPr>
-          <a:xfrm>
-            <a:off x="1271464" y="1772816"/>
-            <a:ext cx="829056" cy="830997"/>
+            <a:off x="0" y="5157194"/>
+            <a:ext cx="12192000" cy="830997"/>
           </a:xfrm>
           <a:prstGeom prst="rect">
             <a:avLst/>
           </a:prstGeom>
           <a:noFill/>
-          <a:ln w="9525">
-            <a:noFill/>
-            <a:miter lim="800000"/>
-          </a:ln>
         </p:spPr>
         <p:txBody>
-          <a:bodyPr wrap="square">
+          <a:bodyPr wrap="square" rtlCol="0">
             <a:spAutoFit/>
           </a:bodyPr>
           <a:lstStyle/>
@@ -4331,22 +5202,14 @@
             <a:r>
               <a:rPr lang="en-US" sz="4800" b="1" dirty="0">
                 <a:solidFill>
-                  <a:srgbClr val="002060"/>
+                  <a:srgbClr val="000066"/>
                 </a:solidFill>
               </a:rPr>
-              <a:t>2</a:t>
-            </a:r>
-            <a:r>
-              <a:rPr lang="en-US" sz="4800" b="1" dirty="0" smtClean="0">
-                <a:solidFill>
-                  <a:srgbClr val="002060"/>
-                </a:solidFill>
-              </a:rPr>
-              <a:t>.</a:t>
-            </a:r>
-            <a:endParaRPr lang="en-US" sz="4800" b="1" dirty="0">
+              <a:t>( 1 )</a:t>
+            </a:r>
+            <a:endParaRPr lang="vi-VN" sz="4800" b="1" dirty="0">
               <a:solidFill>
-                <a:srgbClr val="002060"/>
+                <a:srgbClr val="000066"/>
               </a:solidFill>
             </a:endParaRPr>
           </a:p>
@@ -4355,13 +5218,20 @@
     </p:spTree>
     <p:extLst>
       <p:ext uri="{BB962C8B-B14F-4D97-AF65-F5344CB8AC3E}">
-        <p14:creationId xmlns:p14="http://schemas.microsoft.com/office/powerpoint/2010/main" val="899257236"/>
+        <p14:creationId xmlns:p14="http://schemas.microsoft.com/office/powerpoint/2010/main" val="2820562262"/>
       </p:ext>
     </p:extLst>
   </p:cSld>
   <p:clrMapOvr>
     <a:masterClrMapping/>
   </p:clrMapOvr>
+  <p:timing>
+    <p:tnLst>
+      <p:par>
+        <p:cTn id="1" dur="indefinite" restart="never" nodeType="tmRoot"/>
+      </p:par>
+    </p:tnLst>
+  </p:timing>
 </p:sld>
 </file>
 
@@ -4384,83 +5254,33 @@
       </p:grpSpPr>
       <p:sp>
         <p:nvSpPr>
-          <p:cNvPr id="4" name="Title 3"/>
-          <p:cNvSpPr>
-            <a:spLocks noGrp="1"/>
-          </p:cNvSpPr>
-          <p:nvPr>
-            <p:ph type="title"/>
-          </p:nvPr>
-        </p:nvSpPr>
-        <p:spPr/>
-        <p:txBody>
-          <a:bodyPr>
+          <p:cNvPr id="5" name="內容版面配置區 4"/>
+          <p:cNvSpPr>
+            <a:spLocks noGrp="1"/>
+          </p:cNvSpPr>
+          <p:nvPr>
+            <p:ph idx="1"/>
+          </p:nvPr>
+        </p:nvSpPr>
+        <p:spPr>
+          <a:xfrm>
+            <a:off x="0" y="2084853"/>
+            <a:ext cx="12192000" cy="2404863"/>
+          </a:xfrm>
+        </p:spPr>
+        <p:txBody>
+          <a:bodyPr anchor="ctr">
             <a:normAutofit/>
           </a:bodyPr>
           <a:lstStyle/>
           <a:p>
-            <a:r>
-              <a:rPr lang="en-US" altLang="zh-CN" sz="4800" b="1" dirty="0">
-                <a:solidFill>
-                  <a:srgbClr val="002060"/>
-                </a:solidFill>
-                <a:latin typeface="Microsoft JhengHei" panose="020B0604030504040204" pitchFamily="34" charset="-120"/>
-                <a:ea typeface="Microsoft JhengHei" panose="020B0604030504040204" pitchFamily="34" charset="-120"/>
-              </a:rPr>
-              <a:t>【</a:t>
-            </a:r>
-            <a:r>
-              <a:rPr lang="zh-CN" altLang="en-US" sz="4800" b="1" dirty="0">
-                <a:solidFill>
-                  <a:srgbClr val="002060"/>
-                </a:solidFill>
-                <a:latin typeface="Microsoft JhengHei" panose="020B0604030504040204" pitchFamily="34" charset="-120"/>
-                <a:ea typeface="Microsoft JhengHei" panose="020B0604030504040204" pitchFamily="34" charset="-120"/>
-              </a:rPr>
-              <a:t>讚美耶穌</a:t>
-            </a:r>
-            <a:r>
-              <a:rPr lang="en-US" altLang="zh-CN" sz="4800" b="1" dirty="0">
-                <a:solidFill>
-                  <a:srgbClr val="002060"/>
-                </a:solidFill>
-                <a:latin typeface="Microsoft JhengHei" panose="020B0604030504040204" pitchFamily="34" charset="-120"/>
-                <a:ea typeface="Microsoft JhengHei" panose="020B0604030504040204" pitchFamily="34" charset="-120"/>
-              </a:rPr>
-              <a:t>】</a:t>
-            </a:r>
-          </a:p>
-        </p:txBody>
-      </p:sp>
-      <p:sp>
-        <p:nvSpPr>
-          <p:cNvPr id="5" name="Content Placeholder 4"/>
-          <p:cNvSpPr>
-            <a:spLocks noGrp="1"/>
-          </p:cNvSpPr>
-          <p:nvPr>
-            <p:ph idx="1"/>
-          </p:nvPr>
-        </p:nvSpPr>
-        <p:spPr>
-          <a:xfrm>
-            <a:off x="0" y="1600202"/>
-            <a:ext cx="12192000" cy="4525963"/>
-          </a:xfrm>
-        </p:spPr>
-        <p:txBody>
-          <a:bodyPr>
-            <a:normAutofit/>
-          </a:bodyPr>
-          <a:lstStyle/>
-          <a:p>
             <a:pPr marL="0" indent="0" algn="ctr">
               <a:buNone/>
             </a:pPr>
             <a:r>
-              <a:rPr lang="zh-TW" altLang="en-US" sz="5400" b="1" dirty="0">
-                <a:solidFill>
-                  <a:srgbClr val="002060"/>
+              <a:rPr lang="zh-TW" altLang="en-US" sz="6400" b="1" dirty="0">
+                <a:solidFill>
+                  <a:srgbClr val="000066"/>
                 </a:solidFill>
                 <a:latin typeface="Microsoft JhengHei" panose="020B0604030504040204" pitchFamily="34" charset="-120"/>
                 <a:ea typeface="Microsoft JhengHei" panose="020B0604030504040204" pitchFamily="34" charset="-120"/>
@@ -4468,9 +5288,9 @@
               <a:t>讚美</a:t>
             </a:r>
             <a:r>
-              <a:rPr lang="zh-CN" altLang="zh-TW" sz="5400" b="1" dirty="0">
-                <a:solidFill>
-                  <a:srgbClr val="002060"/>
+              <a:rPr lang="zh-CN" altLang="zh-TW" sz="6400" b="1" dirty="0">
+                <a:solidFill>
+                  <a:srgbClr val="000066"/>
                 </a:solidFill>
                 <a:latin typeface="Microsoft JhengHei" panose="020B0604030504040204" pitchFamily="34" charset="-120"/>
                 <a:ea typeface="Microsoft JhengHei" panose="020B0604030504040204" pitchFamily="34" charset="-120"/>
@@ -4478,9 +5298,9 @@
               <a:t>耶穌</a:t>
             </a:r>
             <a:r>
-              <a:rPr lang="zh-TW" altLang="en-US" sz="5400" b="1" dirty="0">
-                <a:solidFill>
-                  <a:srgbClr val="002060"/>
+              <a:rPr lang="zh-TW" altLang="en-US" sz="6400" b="1" dirty="0">
+                <a:solidFill>
+                  <a:srgbClr val="000066"/>
                 </a:solidFill>
                 <a:latin typeface="Microsoft JhengHei" panose="020B0604030504040204" pitchFamily="34" charset="-120"/>
                 <a:ea typeface="Microsoft JhengHei" panose="020B0604030504040204" pitchFamily="34" charset="-120"/>
@@ -4493,78 +5313,42 @@
               <a:buNone/>
             </a:pPr>
             <a:r>
-              <a:rPr lang="zh-TW" altLang="en-US" sz="5400" b="1" dirty="0">
-                <a:solidFill>
-                  <a:srgbClr val="002060"/>
+              <a:rPr lang="zh-TW" altLang="en-US" sz="6400" b="1" dirty="0">
+                <a:solidFill>
+                  <a:srgbClr val="000066"/>
                 </a:solidFill>
                 <a:latin typeface="Microsoft JhengHei" panose="020B0604030504040204" pitchFamily="34" charset="-120"/>
                 <a:ea typeface="Microsoft JhengHei" panose="020B0604030504040204" pitchFamily="34" charset="-120"/>
               </a:rPr>
               <a:t>讚美主為罪人死</a:t>
             </a:r>
-          </a:p>
-          <a:p>
-            <a:pPr marL="0" indent="0" algn="ctr">
-              <a:buNone/>
-            </a:pPr>
-            <a:r>
-              <a:rPr lang="zh-TW" altLang="en-US" sz="5400" b="1" dirty="0">
-                <a:solidFill>
-                  <a:srgbClr val="002060"/>
-                </a:solidFill>
-                <a:latin typeface="Microsoft JhengHei" panose="020B0604030504040204" pitchFamily="34" charset="-120"/>
-                <a:ea typeface="Microsoft JhengHei" panose="020B0604030504040204" pitchFamily="34" charset="-120"/>
-              </a:rPr>
-              <a:t>萬民當將榮耀歸主</a:t>
-            </a:r>
-          </a:p>
-          <a:p>
-            <a:pPr marL="0" indent="0" algn="ctr">
-              <a:buNone/>
-            </a:pPr>
-            <a:r>
-              <a:rPr lang="zh-TW" altLang="en-US" sz="5400" b="1" dirty="0">
-                <a:solidFill>
-                  <a:srgbClr val="002060"/>
-                </a:solidFill>
-                <a:latin typeface="Microsoft JhengHei" panose="020B0604030504040204" pitchFamily="34" charset="-120"/>
-                <a:ea typeface="Microsoft JhengHei" panose="020B0604030504040204" pitchFamily="34" charset="-120"/>
-              </a:rPr>
-              <a:t>因主血能洗淨</a:t>
-            </a:r>
-            <a:r>
-              <a:rPr lang="zh-CN" altLang="zh-TW" sz="5400" b="1" dirty="0">
-                <a:solidFill>
-                  <a:srgbClr val="002060"/>
-                </a:solidFill>
-                <a:latin typeface="Microsoft JhengHei" panose="020B0604030504040204" pitchFamily="34" charset="-120"/>
-                <a:ea typeface="Microsoft JhengHei" panose="020B0604030504040204" pitchFamily="34" charset="-120"/>
-              </a:rPr>
-              <a:t>眾</a:t>
-            </a:r>
-            <a:r>
-              <a:rPr lang="zh-TW" altLang="en-US" sz="5400" b="1" dirty="0">
-                <a:solidFill>
-                  <a:srgbClr val="002060"/>
-                </a:solidFill>
-                <a:latin typeface="Microsoft JhengHei" panose="020B0604030504040204" pitchFamily="34" charset="-120"/>
-                <a:ea typeface="Microsoft JhengHei" panose="020B0604030504040204" pitchFamily="34" charset="-120"/>
-              </a:rPr>
-              <a:t>罪汚</a:t>
-            </a:r>
+            <a:endParaRPr lang="zh-TW" altLang="en-US" sz="6400" b="1" dirty="0">
+              <a:solidFill>
+                <a:srgbClr val="000066"/>
+              </a:solidFill>
+              <a:latin typeface="Microsoft JhengHei" panose="020B0604030504040204" pitchFamily="34" charset="-120"/>
+              <a:ea typeface="Microsoft JhengHei" panose="020B0604030504040204" pitchFamily="34" charset="-120"/>
+            </a:endParaRPr>
           </a:p>
         </p:txBody>
       </p:sp>
     </p:spTree>
     <p:extLst>
       <p:ext uri="{BB962C8B-B14F-4D97-AF65-F5344CB8AC3E}">
-        <p14:creationId xmlns:p14="http://schemas.microsoft.com/office/powerpoint/2010/main" val="197405702"/>
+        <p14:creationId xmlns:p14="http://schemas.microsoft.com/office/powerpoint/2010/main" val="1726795903"/>
       </p:ext>
     </p:extLst>
   </p:cSld>
   <p:clrMapOvr>
     <a:masterClrMapping/>
   </p:clrMapOvr>
+  <p:timing>
+    <p:tnLst>
+      <p:par>
+        <p:cTn id="1" dur="indefinite" restart="never" nodeType="tmRoot"/>
+      </p:par>
+    </p:tnLst>
+  </p:timing>
 </p:sld>
 </file>
 
@@ -4587,176 +5371,80 @@
       </p:grpSpPr>
       <p:sp>
         <p:nvSpPr>
-          <p:cNvPr id="4" name="Title 3"/>
-          <p:cNvSpPr>
-            <a:spLocks noGrp="1"/>
-          </p:cNvSpPr>
-          <p:nvPr>
-            <p:ph type="title"/>
-          </p:nvPr>
-        </p:nvSpPr>
-        <p:spPr/>
-        <p:txBody>
-          <a:bodyPr>
+          <p:cNvPr id="5" name="內容版面配置區 4"/>
+          <p:cNvSpPr>
+            <a:spLocks noGrp="1"/>
+          </p:cNvSpPr>
+          <p:nvPr>
+            <p:ph idx="1"/>
+          </p:nvPr>
+        </p:nvSpPr>
+        <p:spPr>
+          <a:xfrm>
+            <a:off x="0" y="2084853"/>
+            <a:ext cx="12192000" cy="2404863"/>
+          </a:xfrm>
+        </p:spPr>
+        <p:txBody>
+          <a:bodyPr anchor="ctr">
             <a:normAutofit/>
           </a:bodyPr>
           <a:lstStyle/>
           <a:p>
-            <a:r>
-              <a:rPr lang="en-US" altLang="zh-CN" sz="4800" b="1" dirty="0">
-                <a:solidFill>
-                  <a:srgbClr val="002060"/>
+            <a:pPr marL="0" indent="0" algn="ctr">
+              <a:buNone/>
+            </a:pPr>
+            <a:r>
+              <a:rPr lang="zh-TW" altLang="en-US" sz="6400" b="1" dirty="0">
+                <a:solidFill>
+                  <a:srgbClr val="000066"/>
                 </a:solidFill>
                 <a:latin typeface="Microsoft JhengHei" panose="020B0604030504040204" pitchFamily="34" charset="-120"/>
                 <a:ea typeface="Microsoft JhengHei" panose="020B0604030504040204" pitchFamily="34" charset="-120"/>
               </a:rPr>
-              <a:t>【</a:t>
-            </a:r>
-            <a:r>
-              <a:rPr lang="zh-CN" altLang="en-US" sz="4800" b="1" dirty="0">
-                <a:solidFill>
-                  <a:srgbClr val="002060"/>
+              <a:t>萬民當將榮耀歸主</a:t>
+            </a:r>
+          </a:p>
+          <a:p>
+            <a:pPr marL="0" indent="0" algn="ctr">
+              <a:buNone/>
+            </a:pPr>
+            <a:r>
+              <a:rPr lang="zh-TW" altLang="en-US" sz="6400" b="1" dirty="0">
+                <a:solidFill>
+                  <a:srgbClr val="000066"/>
                 </a:solidFill>
                 <a:latin typeface="Microsoft JhengHei" panose="020B0604030504040204" pitchFamily="34" charset="-120"/>
                 <a:ea typeface="Microsoft JhengHei" panose="020B0604030504040204" pitchFamily="34" charset="-120"/>
               </a:rPr>
-              <a:t>讚美耶穌</a:t>
-            </a:r>
-            <a:r>
-              <a:rPr lang="en-US" altLang="zh-CN" sz="4800" b="1" dirty="0">
-                <a:solidFill>
-                  <a:srgbClr val="002060"/>
+              <a:t>因主血能洗淨</a:t>
+            </a:r>
+            <a:r>
+              <a:rPr lang="zh-CN" altLang="zh-TW" sz="6400" b="1" dirty="0">
+                <a:solidFill>
+                  <a:srgbClr val="000066"/>
                 </a:solidFill>
                 <a:latin typeface="Microsoft JhengHei" panose="020B0604030504040204" pitchFamily="34" charset="-120"/>
                 <a:ea typeface="Microsoft JhengHei" panose="020B0604030504040204" pitchFamily="34" charset="-120"/>
               </a:rPr>
-              <a:t>】</a:t>
-            </a:r>
-          </a:p>
-        </p:txBody>
-      </p:sp>
-      <p:sp>
-        <p:nvSpPr>
-          <p:cNvPr id="5" name="Content Placeholder 4"/>
-          <p:cNvSpPr>
-            <a:spLocks noGrp="1"/>
-          </p:cNvSpPr>
-          <p:nvPr>
-            <p:ph idx="1"/>
-          </p:nvPr>
-        </p:nvSpPr>
-        <p:spPr>
-          <a:xfrm>
-            <a:off x="0" y="1600202"/>
-            <a:ext cx="12192000" cy="4525963"/>
-          </a:xfrm>
-        </p:spPr>
-        <p:txBody>
-          <a:bodyPr>
-            <a:normAutofit/>
-          </a:bodyPr>
-          <a:lstStyle/>
-          <a:p>
-            <a:pPr marL="0" indent="0" algn="ctr">
-              <a:buNone/>
-            </a:pPr>
-            <a:r>
-              <a:rPr lang="zh-TW" altLang="en-US" sz="5400" b="1" dirty="0">
-                <a:solidFill>
-                  <a:srgbClr val="002060"/>
+              <a:t>眾</a:t>
+            </a:r>
+            <a:r>
+              <a:rPr lang="zh-TW" altLang="en-US" sz="6400" b="1" dirty="0">
+                <a:solidFill>
+                  <a:srgbClr val="000066"/>
                 </a:solidFill>
                 <a:latin typeface="Microsoft JhengHei" panose="020B0604030504040204" pitchFamily="34" charset="-120"/>
                 <a:ea typeface="Microsoft JhengHei" panose="020B0604030504040204" pitchFamily="34" charset="-120"/>
               </a:rPr>
-              <a:t>前所懷抱追求盼望</a:t>
-            </a:r>
-          </a:p>
-          <a:p>
-            <a:pPr marL="0" indent="0" algn="ctr">
-              <a:buNone/>
-            </a:pPr>
-            <a:r>
-              <a:rPr lang="zh-TW" altLang="en-US" sz="5400" b="1" dirty="0">
-                <a:solidFill>
-                  <a:srgbClr val="002060"/>
-                </a:solidFill>
-                <a:latin typeface="Microsoft JhengHei" panose="020B0604030504040204" pitchFamily="34" charset="-120"/>
-                <a:ea typeface="Microsoft JhengHei" panose="020B0604030504040204" pitchFamily="34" charset="-120"/>
-              </a:rPr>
-              <a:t>今都算足下灰塵</a:t>
-            </a:r>
-          </a:p>
-          <a:p>
-            <a:pPr marL="0" indent="0" algn="ctr">
-              <a:buNone/>
-            </a:pPr>
-            <a:r>
-              <a:rPr lang="zh-TW" altLang="en-US" sz="5400" b="1" dirty="0">
-                <a:solidFill>
-                  <a:srgbClr val="002060"/>
-                </a:solidFill>
-                <a:latin typeface="Microsoft JhengHei" panose="020B0604030504040204" pitchFamily="34" charset="-120"/>
-                <a:ea typeface="Microsoft JhengHei" panose="020B0604030504040204" pitchFamily="34" charset="-120"/>
-              </a:rPr>
-              <a:t>路雖崎嶇敵雖兇猛</a:t>
-            </a:r>
-          </a:p>
-          <a:p>
-            <a:pPr marL="0" indent="0" algn="ctr">
-              <a:buNone/>
-            </a:pPr>
-            <a:r>
-              <a:rPr lang="zh-TW" altLang="en-US" sz="5400" b="1" dirty="0">
-                <a:solidFill>
-                  <a:srgbClr val="002060"/>
-                </a:solidFill>
-                <a:latin typeface="Microsoft JhengHei" panose="020B0604030504040204" pitchFamily="34" charset="-120"/>
-                <a:ea typeface="Microsoft JhengHei" panose="020B0604030504040204" pitchFamily="34" charset="-120"/>
-              </a:rPr>
-              <a:t>仗主十架全得勝</a:t>
-            </a:r>
-          </a:p>
-        </p:txBody>
-      </p:sp>
-      <p:sp>
-        <p:nvSpPr>
-          <p:cNvPr id="6" name="Text Box 1"/>
-          <p:cNvSpPr txBox="1"/>
-          <p:nvPr/>
-        </p:nvSpPr>
-        <p:spPr>
-          <a:xfrm>
-            <a:off x="1271464" y="1772816"/>
-            <a:ext cx="829056" cy="830997"/>
-          </a:xfrm>
-          <a:prstGeom prst="rect">
-            <a:avLst/>
-          </a:prstGeom>
-          <a:noFill/>
-          <a:ln w="9525">
-            <a:noFill/>
-            <a:miter lim="800000"/>
-          </a:ln>
-        </p:spPr>
-        <p:txBody>
-          <a:bodyPr wrap="square">
-            <a:spAutoFit/>
-          </a:bodyPr>
-          <a:lstStyle/>
-          <a:p>
-            <a:pPr algn="ctr"/>
-            <a:r>
-              <a:rPr lang="en-US" sz="4800" b="1" dirty="0" smtClean="0">
-                <a:solidFill>
-                  <a:srgbClr val="002060"/>
-                </a:solidFill>
-              </a:rPr>
-              <a:t>3.</a:t>
-            </a:r>
-            <a:endParaRPr lang="en-US" sz="4800" b="1" dirty="0">
+              <a:t>罪汚</a:t>
+            </a:r>
+            <a:endParaRPr lang="zh-TW" altLang="en-US" sz="6400" b="1" dirty="0">
               <a:solidFill>
-                <a:srgbClr val="002060"/>
+                <a:srgbClr val="000066"/>
               </a:solidFill>
+              <a:latin typeface="Microsoft JhengHei" panose="020B0604030504040204" pitchFamily="34" charset="-120"/>
+              <a:ea typeface="Microsoft JhengHei" panose="020B0604030504040204" pitchFamily="34" charset="-120"/>
             </a:endParaRPr>
           </a:p>
         </p:txBody>
@@ -4764,13 +5452,20 @@
     </p:spTree>
     <p:extLst>
       <p:ext uri="{BB962C8B-B14F-4D97-AF65-F5344CB8AC3E}">
-        <p14:creationId xmlns:p14="http://schemas.microsoft.com/office/powerpoint/2010/main" val="1972094655"/>
+        <p14:creationId xmlns:p14="http://schemas.microsoft.com/office/powerpoint/2010/main" val="3824065149"/>
       </p:ext>
     </p:extLst>
   </p:cSld>
   <p:clrMapOvr>
     <a:masterClrMapping/>
   </p:clrMapOvr>
+  <p:timing>
+    <p:tnLst>
+      <p:par>
+        <p:cTn id="1" dur="indefinite" restart="never" nodeType="tmRoot"/>
+      </p:par>
+    </p:tnLst>
+  </p:timing>
 </p:sld>
 </file>
 
@@ -4793,187 +5488,120 @@
       </p:grpSpPr>
       <p:sp>
         <p:nvSpPr>
-          <p:cNvPr id="4" name="Title 3"/>
-          <p:cNvSpPr>
-            <a:spLocks noGrp="1"/>
-          </p:cNvSpPr>
-          <p:nvPr>
-            <p:ph type="title"/>
-          </p:nvPr>
-        </p:nvSpPr>
-        <p:spPr/>
-        <p:txBody>
-          <a:bodyPr>
+          <p:cNvPr id="5" name="內容版面配置區 4"/>
+          <p:cNvSpPr>
+            <a:spLocks noGrp="1"/>
+          </p:cNvSpPr>
+          <p:nvPr>
+            <p:ph idx="1"/>
+          </p:nvPr>
+        </p:nvSpPr>
+        <p:spPr>
+          <a:xfrm>
+            <a:off x="0" y="2084853"/>
+            <a:ext cx="12192000" cy="2404863"/>
+          </a:xfrm>
+        </p:spPr>
+        <p:txBody>
+          <a:bodyPr anchor="ctr">
             <a:normAutofit/>
           </a:bodyPr>
           <a:lstStyle/>
           <a:p>
-            <a:r>
-              <a:rPr lang="en-US" altLang="zh-CN" sz="4800" b="1" dirty="0">
-                <a:solidFill>
-                  <a:srgbClr val="002060"/>
+            <a:pPr marL="0" indent="0" algn="ctr">
+              <a:buNone/>
+            </a:pPr>
+            <a:r>
+              <a:rPr lang="zh-TW" altLang="en-US" sz="6400" b="1" dirty="0">
+                <a:solidFill>
+                  <a:srgbClr val="000066"/>
                 </a:solidFill>
                 <a:latin typeface="Microsoft JhengHei" panose="020B0604030504040204" pitchFamily="34" charset="-120"/>
                 <a:ea typeface="Microsoft JhengHei" panose="020B0604030504040204" pitchFamily="34" charset="-120"/>
               </a:rPr>
-              <a:t>【</a:t>
-            </a:r>
-            <a:r>
-              <a:rPr lang="zh-CN" altLang="en-US" sz="4800" b="1" dirty="0">
-                <a:solidFill>
-                  <a:srgbClr val="002060"/>
+              <a:t>頌讚永歸耶穌聖名</a:t>
+            </a:r>
+          </a:p>
+          <a:p>
+            <a:pPr marL="0" indent="0" algn="ctr">
+              <a:buNone/>
+            </a:pPr>
+            <a:r>
+              <a:rPr lang="zh-TW" altLang="en-US" sz="6400" b="1" dirty="0">
+                <a:solidFill>
+                  <a:srgbClr val="000066"/>
                 </a:solidFill>
                 <a:latin typeface="Microsoft JhengHei" panose="020B0604030504040204" pitchFamily="34" charset="-120"/>
                 <a:ea typeface="Microsoft JhengHei" panose="020B0604030504040204" pitchFamily="34" charset="-120"/>
               </a:rPr>
-              <a:t>讚美耶穌</a:t>
-            </a:r>
-            <a:r>
-              <a:rPr lang="en-US" altLang="zh-CN" sz="4800" b="1" dirty="0">
-                <a:solidFill>
-                  <a:srgbClr val="002060"/>
-                </a:solidFill>
-                <a:latin typeface="Microsoft JhengHei" panose="020B0604030504040204" pitchFamily="34" charset="-120"/>
-                <a:ea typeface="Microsoft JhengHei" panose="020B0604030504040204" pitchFamily="34" charset="-120"/>
-              </a:rPr>
-              <a:t>】</a:t>
-            </a:r>
-          </a:p>
-        </p:txBody>
-      </p:sp>
-      <p:sp>
-        <p:nvSpPr>
-          <p:cNvPr id="5" name="Content Placeholder 4"/>
-          <p:cNvSpPr>
-            <a:spLocks noGrp="1"/>
-          </p:cNvSpPr>
-          <p:nvPr>
-            <p:ph idx="1"/>
-          </p:nvPr>
+              <a:t>因主歡喜收罪人</a:t>
+            </a:r>
+            <a:endParaRPr lang="zh-TW" altLang="en-US" sz="6400" b="1" dirty="0">
+              <a:solidFill>
+                <a:srgbClr val="000066"/>
+              </a:solidFill>
+              <a:latin typeface="Microsoft JhengHei" panose="020B0604030504040204" pitchFamily="34" charset="-120"/>
+              <a:ea typeface="Microsoft JhengHei" panose="020B0604030504040204" pitchFamily="34" charset="-120"/>
+            </a:endParaRPr>
+          </a:p>
+        </p:txBody>
+      </p:sp>
+      <p:sp>
+        <p:nvSpPr>
+          <p:cNvPr id="4" name="TextBox 3"/>
+          <p:cNvSpPr txBox="1"/>
+          <p:nvPr/>
         </p:nvSpPr>
         <p:spPr>
           <a:xfrm>
-            <a:off x="0" y="1600202"/>
-            <a:ext cx="12192000" cy="4525963"/>
+            <a:off x="0" y="5157194"/>
+            <a:ext cx="12192000" cy="830997"/>
           </a:xfrm>
+          <a:prstGeom prst="rect">
+            <a:avLst/>
+          </a:prstGeom>
+          <a:noFill/>
         </p:spPr>
         <p:txBody>
-          <a:bodyPr>
-            <a:normAutofit/>
+          <a:bodyPr wrap="square" rtlCol="0">
+            <a:spAutoFit/>
           </a:bodyPr>
           <a:lstStyle/>
           <a:p>
-            <a:pPr marL="0" indent="0" algn="ctr">
-              <a:buNone/>
-            </a:pPr>
-            <a:r>
-              <a:rPr lang="zh-TW" altLang="en-US" sz="5400" b="1" dirty="0">
-                <a:solidFill>
-                  <a:srgbClr val="002060"/>
-                </a:solidFill>
-                <a:latin typeface="Microsoft JhengHei" panose="020B0604030504040204" pitchFamily="34" charset="-120"/>
-                <a:ea typeface="Microsoft JhengHei" panose="020B0604030504040204" pitchFamily="34" charset="-120"/>
+            <a:pPr algn="ctr"/>
+            <a:r>
+              <a:rPr lang="en-US" sz="4800" b="1" dirty="0">
+                <a:solidFill>
+                  <a:srgbClr val="000066"/>
+                </a:solidFill>
               </a:rPr>
-              <a:t>讚美</a:t>
-            </a:r>
-            <a:r>
-              <a:rPr lang="zh-CN" altLang="zh-TW" sz="5400" b="1" dirty="0">
-                <a:solidFill>
-                  <a:srgbClr val="002060"/>
-                </a:solidFill>
-                <a:latin typeface="Microsoft JhengHei" panose="020B0604030504040204" pitchFamily="34" charset="-120"/>
-                <a:ea typeface="Microsoft JhengHei" panose="020B0604030504040204" pitchFamily="34" charset="-120"/>
-              </a:rPr>
-              <a:t>耶穌</a:t>
-            </a:r>
-            <a:r>
-              <a:rPr lang="zh-TW" altLang="en-US" sz="5400" b="1" dirty="0">
-                <a:solidFill>
-                  <a:srgbClr val="002060"/>
-                </a:solidFill>
-                <a:latin typeface="Microsoft JhengHei" panose="020B0604030504040204" pitchFamily="34" charset="-120"/>
-                <a:ea typeface="Microsoft JhengHei" panose="020B0604030504040204" pitchFamily="34" charset="-120"/>
-              </a:rPr>
-              <a:t>  讚美耶穌</a:t>
-            </a:r>
-          </a:p>
-          <a:p>
-            <a:pPr marL="0" indent="0" algn="ctr">
-              <a:buNone/>
-            </a:pPr>
-            <a:r>
-              <a:rPr lang="zh-TW" altLang="en-US" sz="5400" b="1" dirty="0">
-                <a:solidFill>
-                  <a:srgbClr val="002060"/>
-                </a:solidFill>
-                <a:latin typeface="Microsoft JhengHei" panose="020B0604030504040204" pitchFamily="34" charset="-120"/>
-                <a:ea typeface="Microsoft JhengHei" panose="020B0604030504040204" pitchFamily="34" charset="-120"/>
-              </a:rPr>
-              <a:t>讚美主為罪人死</a:t>
-            </a:r>
-          </a:p>
-          <a:p>
-            <a:pPr marL="0" indent="0" algn="ctr">
-              <a:buNone/>
-            </a:pPr>
-            <a:r>
-              <a:rPr lang="zh-TW" altLang="en-US" sz="5400" b="1" dirty="0">
-                <a:solidFill>
-                  <a:srgbClr val="002060"/>
-                </a:solidFill>
-                <a:latin typeface="Microsoft JhengHei" panose="020B0604030504040204" pitchFamily="34" charset="-120"/>
-                <a:ea typeface="Microsoft JhengHei" panose="020B0604030504040204" pitchFamily="34" charset="-120"/>
-              </a:rPr>
-              <a:t>萬民當將榮耀歸主</a:t>
-            </a:r>
-          </a:p>
-          <a:p>
-            <a:pPr marL="0" indent="0" algn="ctr">
-              <a:buNone/>
-            </a:pPr>
-            <a:r>
-              <a:rPr lang="zh-TW" altLang="en-US" sz="5400" b="1" dirty="0">
-                <a:solidFill>
-                  <a:srgbClr val="002060"/>
-                </a:solidFill>
-                <a:latin typeface="Microsoft JhengHei" panose="020B0604030504040204" pitchFamily="34" charset="-120"/>
-                <a:ea typeface="Microsoft JhengHei" panose="020B0604030504040204" pitchFamily="34" charset="-120"/>
-              </a:rPr>
-              <a:t>因主血能洗淨</a:t>
-            </a:r>
-            <a:r>
-              <a:rPr lang="zh-CN" altLang="zh-TW" sz="5400" b="1" dirty="0">
-                <a:solidFill>
-                  <a:srgbClr val="002060"/>
-                </a:solidFill>
-                <a:latin typeface="Microsoft JhengHei" panose="020B0604030504040204" pitchFamily="34" charset="-120"/>
-                <a:ea typeface="Microsoft JhengHei" panose="020B0604030504040204" pitchFamily="34" charset="-120"/>
-              </a:rPr>
-              <a:t>眾</a:t>
-            </a:r>
-            <a:r>
-              <a:rPr lang="zh-TW" altLang="en-US" sz="5400" b="1" dirty="0">
-                <a:solidFill>
-                  <a:srgbClr val="002060"/>
-                </a:solidFill>
-                <a:latin typeface="Microsoft JhengHei" panose="020B0604030504040204" pitchFamily="34" charset="-120"/>
-                <a:ea typeface="Microsoft JhengHei" panose="020B0604030504040204" pitchFamily="34" charset="-120"/>
-              </a:rPr>
-              <a:t>罪汚</a:t>
-            </a:r>
+              <a:t>( 2 )</a:t>
+            </a:r>
+            <a:endParaRPr lang="vi-VN" sz="4800" b="1" dirty="0">
+              <a:solidFill>
+                <a:srgbClr val="000066"/>
+              </a:solidFill>
+            </a:endParaRPr>
           </a:p>
         </p:txBody>
       </p:sp>
     </p:spTree>
     <p:extLst>
       <p:ext uri="{BB962C8B-B14F-4D97-AF65-F5344CB8AC3E}">
-        <p14:creationId xmlns:p14="http://schemas.microsoft.com/office/powerpoint/2010/main" val="1790172757"/>
+        <p14:creationId xmlns:p14="http://schemas.microsoft.com/office/powerpoint/2010/main" val="239320764"/>
       </p:ext>
     </p:extLst>
   </p:cSld>
   <p:clrMapOvr>
     <a:masterClrMapping/>
   </p:clrMapOvr>
+  <p:timing>
+    <p:tnLst>
+      <p:par>
+        <p:cTn id="1" dur="indefinite" restart="never" nodeType="tmRoot"/>
+      </p:par>
+    </p:tnLst>
+  </p:timing>
 </p:sld>
 </file>
 
@@ -4996,219 +5624,82 @@
       </p:grpSpPr>
       <p:sp>
         <p:nvSpPr>
-          <p:cNvPr id="4" name="Title 3"/>
-          <p:cNvSpPr>
-            <a:spLocks noGrp="1"/>
-          </p:cNvSpPr>
-          <p:nvPr>
-            <p:ph type="title"/>
-          </p:nvPr>
-        </p:nvSpPr>
-        <p:spPr/>
-        <p:txBody>
-          <a:bodyPr>
+          <p:cNvPr id="5" name="內容版面配置區 4"/>
+          <p:cNvSpPr>
+            <a:spLocks noGrp="1"/>
+          </p:cNvSpPr>
+          <p:nvPr>
+            <p:ph idx="1"/>
+          </p:nvPr>
+        </p:nvSpPr>
+        <p:spPr>
+          <a:xfrm>
+            <a:off x="0" y="2084853"/>
+            <a:ext cx="12192000" cy="2404863"/>
+          </a:xfrm>
+        </p:spPr>
+        <p:txBody>
+          <a:bodyPr anchor="ctr">
             <a:normAutofit/>
           </a:bodyPr>
           <a:lstStyle/>
           <a:p>
-            <a:r>
-              <a:rPr lang="en-US" altLang="zh-CN" sz="4800" b="1" dirty="0">
-                <a:solidFill>
-                  <a:srgbClr val="002060"/>
+            <a:pPr marL="0" indent="0" algn="ctr">
+              <a:buNone/>
+            </a:pPr>
+            <a:r>
+              <a:rPr lang="zh-TW" altLang="en-US" sz="6400" b="1" dirty="0">
+                <a:solidFill>
+                  <a:srgbClr val="000066"/>
                 </a:solidFill>
                 <a:latin typeface="Microsoft JhengHei" panose="020B0604030504040204" pitchFamily="34" charset="-120"/>
                 <a:ea typeface="Microsoft JhengHei" panose="020B0604030504040204" pitchFamily="34" charset="-120"/>
               </a:rPr>
-              <a:t>【</a:t>
-            </a:r>
-            <a:r>
-              <a:rPr lang="zh-CN" altLang="en-US" sz="4800" b="1" dirty="0">
-                <a:solidFill>
-                  <a:srgbClr val="002060"/>
+              <a:t>白白赦我一切罪惡</a:t>
+            </a:r>
+          </a:p>
+          <a:p>
+            <a:pPr marL="0" indent="0" algn="ctr">
+              <a:buNone/>
+            </a:pPr>
+            <a:r>
+              <a:rPr lang="zh-TW" altLang="en-US" sz="6400" b="1" dirty="0">
+                <a:solidFill>
+                  <a:srgbClr val="000066"/>
                 </a:solidFill>
                 <a:latin typeface="Microsoft JhengHei" panose="020B0604030504040204" pitchFamily="34" charset="-120"/>
                 <a:ea typeface="Microsoft JhengHei" panose="020B0604030504040204" pitchFamily="34" charset="-120"/>
               </a:rPr>
-              <a:t>讚美耶穌</a:t>
-            </a:r>
-            <a:r>
-              <a:rPr lang="en-US" altLang="zh-CN" sz="4800" b="1" dirty="0">
-                <a:solidFill>
-                  <a:srgbClr val="002060"/>
-                </a:solidFill>
-                <a:latin typeface="Microsoft JhengHei" panose="020B0604030504040204" pitchFamily="34" charset="-120"/>
-                <a:ea typeface="Microsoft JhengHei" panose="020B0604030504040204" pitchFamily="34" charset="-120"/>
-              </a:rPr>
-              <a:t>】</a:t>
-            </a:r>
-          </a:p>
-        </p:txBody>
-      </p:sp>
-      <p:sp>
-        <p:nvSpPr>
-          <p:cNvPr id="5" name="Content Placeholder 4"/>
-          <p:cNvSpPr>
-            <a:spLocks noGrp="1"/>
-          </p:cNvSpPr>
-          <p:nvPr>
-            <p:ph idx="1"/>
-          </p:nvPr>
+              <a:t>洗浄我的汚穢心</a:t>
+            </a:r>
+            <a:endParaRPr lang="zh-TW" altLang="en-US" sz="6400" b="1" dirty="0">
+              <a:solidFill>
+                <a:srgbClr val="000066"/>
+              </a:solidFill>
+              <a:latin typeface="Microsoft JhengHei" panose="020B0604030504040204" pitchFamily="34" charset="-120"/>
+              <a:ea typeface="Microsoft JhengHei" panose="020B0604030504040204" pitchFamily="34" charset="-120"/>
+            </a:endParaRPr>
+          </a:p>
+        </p:txBody>
+      </p:sp>
+      <p:sp>
+        <p:nvSpPr>
+          <p:cNvPr id="4" name="TextBox 3"/>
+          <p:cNvSpPr txBox="1"/>
+          <p:nvPr/>
         </p:nvSpPr>
         <p:spPr>
           <a:xfrm>
-            <a:off x="0" y="1600202"/>
-            <a:ext cx="12192000" cy="4525963"/>
-          </a:xfrm>
-        </p:spPr>
-        <p:txBody>
-          <a:bodyPr>
-            <a:normAutofit/>
-          </a:bodyPr>
-          <a:lstStyle/>
-          <a:p>
-            <a:pPr marL="0" indent="0" algn="ctr">
-              <a:buNone/>
-            </a:pPr>
-            <a:r>
-              <a:rPr lang="zh-TW" altLang="en-US" sz="5400" b="1" dirty="0">
-                <a:solidFill>
-                  <a:srgbClr val="002060"/>
-                </a:solidFill>
-                <a:latin typeface="Microsoft JhengHei" panose="020B0604030504040204" pitchFamily="34" charset="-120"/>
-                <a:ea typeface="Microsoft JhengHei" panose="020B0604030504040204" pitchFamily="34" charset="-120"/>
-              </a:rPr>
-              <a:t>榮耀榮耀歸</a:t>
-            </a:r>
-            <a:r>
-              <a:rPr lang="zh-CN" altLang="zh-TW" sz="5400" b="1" dirty="0">
-                <a:solidFill>
-                  <a:srgbClr val="002060"/>
-                </a:solidFill>
-                <a:latin typeface="Microsoft JhengHei" panose="020B0604030504040204" pitchFamily="34" charset="-120"/>
-                <a:ea typeface="Microsoft JhengHei" panose="020B0604030504040204" pitchFamily="34" charset="-120"/>
-              </a:rPr>
-              <a:t>與</a:t>
-            </a:r>
-            <a:r>
-              <a:rPr lang="zh-TW" altLang="en-US" sz="5400" b="1" dirty="0">
-                <a:solidFill>
-                  <a:srgbClr val="002060"/>
-                </a:solidFill>
-                <a:latin typeface="Microsoft JhengHei" panose="020B0604030504040204" pitchFamily="34" charset="-120"/>
-                <a:ea typeface="Microsoft JhengHei" panose="020B0604030504040204" pitchFamily="34" charset="-120"/>
-              </a:rPr>
-              <a:t>天父</a:t>
-            </a:r>
-          </a:p>
-          <a:p>
-            <a:pPr marL="0" indent="0" algn="ctr">
-              <a:buNone/>
-            </a:pPr>
-            <a:r>
-              <a:rPr lang="zh-TW" altLang="en-US" sz="5400" b="1" dirty="0">
-                <a:solidFill>
-                  <a:srgbClr val="002060"/>
-                </a:solidFill>
-                <a:latin typeface="Microsoft JhengHei" panose="020B0604030504040204" pitchFamily="34" charset="-120"/>
-                <a:ea typeface="Microsoft JhengHei" panose="020B0604030504040204" pitchFamily="34" charset="-120"/>
-              </a:rPr>
-              <a:t>榮耀榮耀歸耶穌</a:t>
-            </a:r>
-          </a:p>
-          <a:p>
-            <a:pPr marL="0" indent="0" algn="ctr">
-              <a:buNone/>
-            </a:pPr>
-            <a:r>
-              <a:rPr lang="zh-TW" altLang="en-US" sz="5400" b="1" dirty="0">
-                <a:solidFill>
-                  <a:srgbClr val="002060"/>
-                </a:solidFill>
-                <a:latin typeface="Microsoft JhengHei" panose="020B0604030504040204" pitchFamily="34" charset="-120"/>
-                <a:ea typeface="Microsoft JhengHei" panose="020B0604030504040204" pitchFamily="34" charset="-120"/>
-              </a:rPr>
-              <a:t>榮耀榮耀歸</a:t>
-            </a:r>
-            <a:r>
-              <a:rPr lang="zh-CN" altLang="zh-TW" sz="5400" b="1" dirty="0">
-                <a:solidFill>
-                  <a:srgbClr val="002060"/>
-                </a:solidFill>
-                <a:latin typeface="Microsoft JhengHei" panose="020B0604030504040204" pitchFamily="34" charset="-120"/>
-                <a:ea typeface="Microsoft JhengHei" panose="020B0604030504040204" pitchFamily="34" charset="-120"/>
-              </a:rPr>
-              <a:t>與</a:t>
-            </a:r>
-            <a:r>
-              <a:rPr lang="zh-TW" altLang="en-US" sz="5400" b="1" dirty="0">
-                <a:solidFill>
-                  <a:srgbClr val="002060"/>
-                </a:solidFill>
-                <a:latin typeface="Microsoft JhengHei" panose="020B0604030504040204" pitchFamily="34" charset="-120"/>
-                <a:ea typeface="Microsoft JhengHei" panose="020B0604030504040204" pitchFamily="34" charset="-120"/>
-              </a:rPr>
-              <a:t>聖靈</a:t>
-            </a:r>
-          </a:p>
-          <a:p>
-            <a:pPr marL="0" indent="0" algn="ctr">
-              <a:buNone/>
-            </a:pPr>
-            <a:r>
-              <a:rPr lang="zh-TW" altLang="en-US" sz="5400" b="1" dirty="0">
-                <a:solidFill>
-                  <a:srgbClr val="002060"/>
-                </a:solidFill>
-                <a:latin typeface="Microsoft JhengHei" panose="020B0604030504040204" pitchFamily="34" charset="-120"/>
-                <a:ea typeface="Microsoft JhengHei" panose="020B0604030504040204" pitchFamily="34" charset="-120"/>
-              </a:rPr>
-              <a:t>榮耀歸</a:t>
-            </a:r>
-            <a:r>
-              <a:rPr lang="zh-CN" altLang="zh-TW" sz="5400" b="1" dirty="0">
-                <a:solidFill>
-                  <a:srgbClr val="002060"/>
-                </a:solidFill>
-                <a:latin typeface="Microsoft JhengHei" panose="020B0604030504040204" pitchFamily="34" charset="-120"/>
-                <a:ea typeface="Microsoft JhengHei" panose="020B0604030504040204" pitchFamily="34" charset="-120"/>
-              </a:rPr>
-              <a:t>與</a:t>
-            </a:r>
-            <a:r>
-              <a:rPr lang="zh-TW" altLang="en-US" sz="5400" b="1" dirty="0">
-                <a:solidFill>
-                  <a:srgbClr val="002060"/>
-                </a:solidFill>
-                <a:latin typeface="Microsoft JhengHei" panose="020B0604030504040204" pitchFamily="34" charset="-120"/>
-                <a:ea typeface="Microsoft JhengHei" panose="020B0604030504040204" pitchFamily="34" charset="-120"/>
-              </a:rPr>
-              <a:t>三一主</a:t>
-            </a:r>
-          </a:p>
-        </p:txBody>
-      </p:sp>
-      <p:sp>
-        <p:nvSpPr>
-          <p:cNvPr id="6" name="Text Box 1"/>
-          <p:cNvSpPr txBox="1"/>
-          <p:nvPr/>
-        </p:nvSpPr>
-        <p:spPr>
-          <a:xfrm>
-            <a:off x="1271464" y="1772816"/>
-            <a:ext cx="829056" cy="830997"/>
+            <a:off x="0" y="5157194"/>
+            <a:ext cx="12192000" cy="830997"/>
           </a:xfrm>
           <a:prstGeom prst="rect">
             <a:avLst/>
           </a:prstGeom>
           <a:noFill/>
-          <a:ln w="9525">
-            <a:noFill/>
-            <a:miter lim="800000"/>
-          </a:ln>
         </p:spPr>
         <p:txBody>
-          <a:bodyPr wrap="square">
+          <a:bodyPr wrap="square" rtlCol="0">
             <a:spAutoFit/>
           </a:bodyPr>
           <a:lstStyle/>
@@ -5217,22 +5708,14 @@
             <a:r>
               <a:rPr lang="en-US" sz="4800" b="1" dirty="0">
                 <a:solidFill>
-                  <a:srgbClr val="002060"/>
+                  <a:srgbClr val="000066"/>
                 </a:solidFill>
               </a:rPr>
-              <a:t>4</a:t>
-            </a:r>
-            <a:r>
-              <a:rPr lang="en-US" sz="4800" b="1" dirty="0" smtClean="0">
-                <a:solidFill>
-                  <a:srgbClr val="002060"/>
-                </a:solidFill>
-              </a:rPr>
-              <a:t>.</a:t>
-            </a:r>
-            <a:endParaRPr lang="en-US" sz="4800" b="1" dirty="0">
+              <a:t>( 2 )</a:t>
+            </a:r>
+            <a:endParaRPr lang="vi-VN" sz="4800" b="1" dirty="0">
               <a:solidFill>
-                <a:srgbClr val="002060"/>
+                <a:srgbClr val="000066"/>
               </a:solidFill>
             </a:endParaRPr>
           </a:p>
@@ -5241,13 +5724,20 @@
     </p:spTree>
     <p:extLst>
       <p:ext uri="{BB962C8B-B14F-4D97-AF65-F5344CB8AC3E}">
-        <p14:creationId xmlns:p14="http://schemas.microsoft.com/office/powerpoint/2010/main" val="2186667356"/>
+        <p14:creationId xmlns:p14="http://schemas.microsoft.com/office/powerpoint/2010/main" val="1815170720"/>
       </p:ext>
     </p:extLst>
   </p:cSld>
   <p:clrMapOvr>
     <a:masterClrMapping/>
   </p:clrMapOvr>
+  <p:timing>
+    <p:tnLst>
+      <p:par>
+        <p:cTn id="1" dur="indefinite" restart="never" nodeType="tmRoot"/>
+      </p:par>
+    </p:tnLst>
+  </p:timing>
 </p:sld>
 </file>
 
@@ -5270,83 +5760,33 @@
       </p:grpSpPr>
       <p:sp>
         <p:nvSpPr>
-          <p:cNvPr id="4" name="Title 3"/>
-          <p:cNvSpPr>
-            <a:spLocks noGrp="1"/>
-          </p:cNvSpPr>
-          <p:nvPr>
-            <p:ph type="title"/>
-          </p:nvPr>
-        </p:nvSpPr>
-        <p:spPr/>
-        <p:txBody>
-          <a:bodyPr>
+          <p:cNvPr id="5" name="內容版面配置區 4"/>
+          <p:cNvSpPr>
+            <a:spLocks noGrp="1"/>
+          </p:cNvSpPr>
+          <p:nvPr>
+            <p:ph idx="1"/>
+          </p:nvPr>
+        </p:nvSpPr>
+        <p:spPr>
+          <a:xfrm>
+            <a:off x="0" y="2084853"/>
+            <a:ext cx="12192000" cy="2404863"/>
+          </a:xfrm>
+        </p:spPr>
+        <p:txBody>
+          <a:bodyPr anchor="ctr">
             <a:normAutofit/>
           </a:bodyPr>
           <a:lstStyle/>
           <a:p>
-            <a:r>
-              <a:rPr lang="en-US" altLang="zh-CN" sz="4800" b="1" dirty="0">
-                <a:solidFill>
-                  <a:srgbClr val="002060"/>
-                </a:solidFill>
-                <a:latin typeface="Microsoft JhengHei" panose="020B0604030504040204" pitchFamily="34" charset="-120"/>
-                <a:ea typeface="Microsoft JhengHei" panose="020B0604030504040204" pitchFamily="34" charset="-120"/>
-              </a:rPr>
-              <a:t>【</a:t>
-            </a:r>
-            <a:r>
-              <a:rPr lang="zh-CN" altLang="en-US" sz="4800" b="1" dirty="0">
-                <a:solidFill>
-                  <a:srgbClr val="002060"/>
-                </a:solidFill>
-                <a:latin typeface="Microsoft JhengHei" panose="020B0604030504040204" pitchFamily="34" charset="-120"/>
-                <a:ea typeface="Microsoft JhengHei" panose="020B0604030504040204" pitchFamily="34" charset="-120"/>
-              </a:rPr>
-              <a:t>讚美耶穌</a:t>
-            </a:r>
-            <a:r>
-              <a:rPr lang="en-US" altLang="zh-CN" sz="4800" b="1" dirty="0">
-                <a:solidFill>
-                  <a:srgbClr val="002060"/>
-                </a:solidFill>
-                <a:latin typeface="Microsoft JhengHei" panose="020B0604030504040204" pitchFamily="34" charset="-120"/>
-                <a:ea typeface="Microsoft JhengHei" panose="020B0604030504040204" pitchFamily="34" charset="-120"/>
-              </a:rPr>
-              <a:t>】</a:t>
-            </a:r>
-          </a:p>
-        </p:txBody>
-      </p:sp>
-      <p:sp>
-        <p:nvSpPr>
-          <p:cNvPr id="5" name="Content Placeholder 4"/>
-          <p:cNvSpPr>
-            <a:spLocks noGrp="1"/>
-          </p:cNvSpPr>
-          <p:nvPr>
-            <p:ph idx="1"/>
-          </p:nvPr>
-        </p:nvSpPr>
-        <p:spPr>
-          <a:xfrm>
-            <a:off x="0" y="1600202"/>
-            <a:ext cx="12192000" cy="4525963"/>
-          </a:xfrm>
-        </p:spPr>
-        <p:txBody>
-          <a:bodyPr>
-            <a:normAutofit/>
-          </a:bodyPr>
-          <a:lstStyle/>
-          <a:p>
             <a:pPr marL="0" indent="0" algn="ctr">
               <a:buNone/>
             </a:pPr>
             <a:r>
-              <a:rPr lang="zh-TW" altLang="en-US" sz="5400" b="1" dirty="0">
-                <a:solidFill>
-                  <a:srgbClr val="002060"/>
+              <a:rPr lang="zh-TW" altLang="en-US" sz="6400" b="1" dirty="0">
+                <a:solidFill>
+                  <a:srgbClr val="000066"/>
                 </a:solidFill>
                 <a:latin typeface="Microsoft JhengHei" panose="020B0604030504040204" pitchFamily="34" charset="-120"/>
                 <a:ea typeface="Microsoft JhengHei" panose="020B0604030504040204" pitchFamily="34" charset="-120"/>
@@ -5354,9 +5794,9 @@
               <a:t>讚美</a:t>
             </a:r>
             <a:r>
-              <a:rPr lang="zh-CN" altLang="zh-TW" sz="5400" b="1" dirty="0">
-                <a:solidFill>
-                  <a:srgbClr val="002060"/>
+              <a:rPr lang="zh-CN" altLang="zh-TW" sz="6400" b="1" dirty="0">
+                <a:solidFill>
+                  <a:srgbClr val="000066"/>
                 </a:solidFill>
                 <a:latin typeface="Microsoft JhengHei" panose="020B0604030504040204" pitchFamily="34" charset="-120"/>
                 <a:ea typeface="Microsoft JhengHei" panose="020B0604030504040204" pitchFamily="34" charset="-120"/>
@@ -5364,9 +5804,9 @@
               <a:t>耶穌</a:t>
             </a:r>
             <a:r>
-              <a:rPr lang="zh-TW" altLang="en-US" sz="5400" b="1" dirty="0">
-                <a:solidFill>
-                  <a:srgbClr val="002060"/>
+              <a:rPr lang="zh-TW" altLang="en-US" sz="6400" b="1" dirty="0">
+                <a:solidFill>
+                  <a:srgbClr val="000066"/>
                 </a:solidFill>
                 <a:latin typeface="Microsoft JhengHei" panose="020B0604030504040204" pitchFamily="34" charset="-120"/>
                 <a:ea typeface="Microsoft JhengHei" panose="020B0604030504040204" pitchFamily="34" charset="-120"/>
@@ -5379,78 +5819,159 @@
               <a:buNone/>
             </a:pPr>
             <a:r>
-              <a:rPr lang="zh-TW" altLang="en-US" sz="5400" b="1" dirty="0">
-                <a:solidFill>
-                  <a:srgbClr val="002060"/>
+              <a:rPr lang="zh-TW" altLang="en-US" sz="6400" b="1" dirty="0">
+                <a:solidFill>
+                  <a:srgbClr val="000066"/>
                 </a:solidFill>
                 <a:latin typeface="Microsoft JhengHei" panose="020B0604030504040204" pitchFamily="34" charset="-120"/>
                 <a:ea typeface="Microsoft JhengHei" panose="020B0604030504040204" pitchFamily="34" charset="-120"/>
               </a:rPr>
               <a:t>讚美主為罪人死</a:t>
             </a:r>
-          </a:p>
-          <a:p>
-            <a:pPr marL="0" indent="0" algn="ctr">
-              <a:buNone/>
-            </a:pPr>
-            <a:r>
-              <a:rPr lang="zh-TW" altLang="en-US" sz="5400" b="1" dirty="0">
-                <a:solidFill>
-                  <a:srgbClr val="002060"/>
-                </a:solidFill>
-                <a:latin typeface="Microsoft JhengHei" panose="020B0604030504040204" pitchFamily="34" charset="-120"/>
-                <a:ea typeface="Microsoft JhengHei" panose="020B0604030504040204" pitchFamily="34" charset="-120"/>
-              </a:rPr>
-              <a:t>萬民當將榮耀歸主</a:t>
-            </a:r>
-          </a:p>
-          <a:p>
-            <a:pPr marL="0" indent="0" algn="ctr">
-              <a:buNone/>
-            </a:pPr>
-            <a:r>
-              <a:rPr lang="zh-TW" altLang="en-US" sz="5400" b="1" dirty="0">
-                <a:solidFill>
-                  <a:srgbClr val="002060"/>
-                </a:solidFill>
-                <a:latin typeface="Microsoft JhengHei" panose="020B0604030504040204" pitchFamily="34" charset="-120"/>
-                <a:ea typeface="Microsoft JhengHei" panose="020B0604030504040204" pitchFamily="34" charset="-120"/>
-              </a:rPr>
-              <a:t>因主血能洗淨</a:t>
-            </a:r>
-            <a:r>
-              <a:rPr lang="zh-CN" altLang="zh-TW" sz="5400" b="1" dirty="0">
-                <a:solidFill>
-                  <a:srgbClr val="002060"/>
-                </a:solidFill>
-                <a:latin typeface="Microsoft JhengHei" panose="020B0604030504040204" pitchFamily="34" charset="-120"/>
-                <a:ea typeface="Microsoft JhengHei" panose="020B0604030504040204" pitchFamily="34" charset="-120"/>
-              </a:rPr>
-              <a:t>眾</a:t>
-            </a:r>
-            <a:r>
-              <a:rPr lang="zh-TW" altLang="en-US" sz="5400" b="1" dirty="0">
-                <a:solidFill>
-                  <a:srgbClr val="002060"/>
-                </a:solidFill>
-                <a:latin typeface="Microsoft JhengHei" panose="020B0604030504040204" pitchFamily="34" charset="-120"/>
-                <a:ea typeface="Microsoft JhengHei" panose="020B0604030504040204" pitchFamily="34" charset="-120"/>
-              </a:rPr>
-              <a:t>罪汚</a:t>
-            </a:r>
+            <a:endParaRPr lang="zh-TW" altLang="en-US" sz="6400" b="1" dirty="0">
+              <a:solidFill>
+                <a:srgbClr val="000066"/>
+              </a:solidFill>
+              <a:latin typeface="Microsoft JhengHei" panose="020B0604030504040204" pitchFamily="34" charset="-120"/>
+              <a:ea typeface="Microsoft JhengHei" panose="020B0604030504040204" pitchFamily="34" charset="-120"/>
+            </a:endParaRPr>
           </a:p>
         </p:txBody>
       </p:sp>
     </p:spTree>
     <p:extLst>
       <p:ext uri="{BB962C8B-B14F-4D97-AF65-F5344CB8AC3E}">
-        <p14:creationId xmlns:p14="http://schemas.microsoft.com/office/powerpoint/2010/main" val="3190413621"/>
+        <p14:creationId xmlns:p14="http://schemas.microsoft.com/office/powerpoint/2010/main" val="1065818667"/>
       </p:ext>
     </p:extLst>
   </p:cSld>
   <p:clrMapOvr>
     <a:masterClrMapping/>
   </p:clrMapOvr>
+  <p:timing>
+    <p:tnLst>
+      <p:par>
+        <p:cTn id="1" dur="indefinite" restart="never" nodeType="tmRoot"/>
+      </p:par>
+    </p:tnLst>
+  </p:timing>
+</p:sld>
+</file>
+
+<file path=ppt/slides/slide9.xml><?xml version="1.0" encoding="utf-8"?>
+<p:sld xmlns:a="http://schemas.openxmlformats.org/drawingml/2006/main" xmlns:r="http://schemas.openxmlformats.org/officeDocument/2006/relationships" xmlns:p="http://schemas.openxmlformats.org/presentationml/2006/main">
+  <p:cSld>
+    <p:spTree>
+      <p:nvGrpSpPr>
+        <p:cNvPr id="1" name=""/>
+        <p:cNvGrpSpPr/>
+        <p:nvPr/>
+      </p:nvGrpSpPr>
+      <p:grpSpPr>
+        <a:xfrm>
+          <a:off x="0" y="0"/>
+          <a:ext cx="0" cy="0"/>
+          <a:chOff x="0" y="0"/>
+          <a:chExt cx="0" cy="0"/>
+        </a:xfrm>
+      </p:grpSpPr>
+      <p:sp>
+        <p:nvSpPr>
+          <p:cNvPr id="5" name="內容版面配置區 4"/>
+          <p:cNvSpPr>
+            <a:spLocks noGrp="1"/>
+          </p:cNvSpPr>
+          <p:nvPr>
+            <p:ph idx="1"/>
+          </p:nvPr>
+        </p:nvSpPr>
+        <p:spPr>
+          <a:xfrm>
+            <a:off x="0" y="2084853"/>
+            <a:ext cx="12192000" cy="2404863"/>
+          </a:xfrm>
+        </p:spPr>
+        <p:txBody>
+          <a:bodyPr anchor="ctr">
+            <a:normAutofit/>
+          </a:bodyPr>
+          <a:lstStyle/>
+          <a:p>
+            <a:pPr marL="0" indent="0" algn="ctr">
+              <a:buNone/>
+            </a:pPr>
+            <a:r>
+              <a:rPr lang="zh-TW" altLang="en-US" sz="6400" b="1" dirty="0">
+                <a:solidFill>
+                  <a:srgbClr val="000066"/>
+                </a:solidFill>
+                <a:latin typeface="Microsoft JhengHei" panose="020B0604030504040204" pitchFamily="34" charset="-120"/>
+                <a:ea typeface="Microsoft JhengHei" panose="020B0604030504040204" pitchFamily="34" charset="-120"/>
+              </a:rPr>
+              <a:t>萬民當將榮耀歸主</a:t>
+            </a:r>
+          </a:p>
+          <a:p>
+            <a:pPr marL="0" indent="0" algn="ctr">
+              <a:buNone/>
+            </a:pPr>
+            <a:r>
+              <a:rPr lang="zh-TW" altLang="en-US" sz="6400" b="1" dirty="0">
+                <a:solidFill>
+                  <a:srgbClr val="000066"/>
+                </a:solidFill>
+                <a:latin typeface="Microsoft JhengHei" panose="020B0604030504040204" pitchFamily="34" charset="-120"/>
+                <a:ea typeface="Microsoft JhengHei" panose="020B0604030504040204" pitchFamily="34" charset="-120"/>
+              </a:rPr>
+              <a:t>因主血能洗淨</a:t>
+            </a:r>
+            <a:r>
+              <a:rPr lang="zh-CN" altLang="zh-TW" sz="6400" b="1" dirty="0">
+                <a:solidFill>
+                  <a:srgbClr val="000066"/>
+                </a:solidFill>
+                <a:latin typeface="Microsoft JhengHei" panose="020B0604030504040204" pitchFamily="34" charset="-120"/>
+                <a:ea typeface="Microsoft JhengHei" panose="020B0604030504040204" pitchFamily="34" charset="-120"/>
+              </a:rPr>
+              <a:t>眾</a:t>
+            </a:r>
+            <a:r>
+              <a:rPr lang="zh-TW" altLang="en-US" sz="6400" b="1" dirty="0">
+                <a:solidFill>
+                  <a:srgbClr val="000066"/>
+                </a:solidFill>
+                <a:latin typeface="Microsoft JhengHei" panose="020B0604030504040204" pitchFamily="34" charset="-120"/>
+                <a:ea typeface="Microsoft JhengHei" panose="020B0604030504040204" pitchFamily="34" charset="-120"/>
+              </a:rPr>
+              <a:t>罪汚</a:t>
+            </a:r>
+            <a:endParaRPr lang="zh-TW" altLang="en-US" sz="6400" b="1" dirty="0">
+              <a:solidFill>
+                <a:srgbClr val="000066"/>
+              </a:solidFill>
+              <a:latin typeface="Microsoft JhengHei" panose="020B0604030504040204" pitchFamily="34" charset="-120"/>
+              <a:ea typeface="Microsoft JhengHei" panose="020B0604030504040204" pitchFamily="34" charset="-120"/>
+            </a:endParaRPr>
+          </a:p>
+        </p:txBody>
+      </p:sp>
+    </p:spTree>
+    <p:extLst>
+      <p:ext uri="{BB962C8B-B14F-4D97-AF65-F5344CB8AC3E}">
+        <p14:creationId xmlns:p14="http://schemas.microsoft.com/office/powerpoint/2010/main" val="3509189572"/>
+      </p:ext>
+    </p:extLst>
+  </p:cSld>
+  <p:clrMapOvr>
+    <a:masterClrMapping/>
+  </p:clrMapOvr>
+  <p:timing>
+    <p:tnLst>
+      <p:par>
+        <p:cTn id="1" dur="indefinite" restart="never" nodeType="tmRoot"/>
+      </p:par>
+    </p:tnLst>
+  </p:timing>
 </p:sld>
 </file>
 

--- a/宣道詩/(宣道詩106)讚美耶穌.pptx
+++ b/宣道詩/(宣道詩106)讚美耶穌.pptx
@@ -3835,24 +3835,7 @@
                 <a:latin typeface="微軟正黑體" pitchFamily="34" charset="-120"/>
                 <a:ea typeface="微軟正黑體" pitchFamily="34" charset="-120"/>
               </a:rPr>
-              <a:t>讚</a:t>
-            </a:r>
-            <a:r>
-              <a:rPr lang="zh-CN" altLang="en-US" sz="8000" b="1" dirty="0">
-                <a:solidFill>
-                  <a:srgbClr val="000066"/>
-                </a:solidFill>
-                <a:effectLst>
-                  <a:outerShdw blurRad="38100" dist="38100" dir="2700000" algn="tl">
-                    <a:srgbClr val="000000">
-                      <a:alpha val="43137"/>
-                    </a:srgbClr>
-                  </a:outerShdw>
-                </a:effectLst>
-                <a:latin typeface="微軟正黑體" pitchFamily="34" charset="-120"/>
-                <a:ea typeface="微軟正黑體" pitchFamily="34" charset="-120"/>
-              </a:rPr>
-              <a:t>美耶穌</a:t>
+              <a:t>讚美耶穌</a:t>
             </a:r>
             <a:endParaRPr lang="zh-TW" altLang="en-US" sz="8000" b="1" dirty="0">
               <a:solidFill>
@@ -3958,13 +3941,6 @@
               </a:rPr>
               <a:t>今都算足下灰塵</a:t>
             </a:r>
-            <a:endParaRPr lang="zh-TW" altLang="en-US" sz="6400" b="1" dirty="0">
-              <a:solidFill>
-                <a:srgbClr val="000066"/>
-              </a:solidFill>
-              <a:latin typeface="Microsoft JhengHei" panose="020B0604030504040204" pitchFamily="34" charset="-120"/>
-              <a:ea typeface="Microsoft JhengHei" panose="020B0604030504040204" pitchFamily="34" charset="-120"/>
-            </a:endParaRPr>
           </a:p>
         </p:txBody>
       </p:sp>
@@ -3977,7 +3953,7 @@
         <p:spPr>
           <a:xfrm>
             <a:off x="0" y="5157194"/>
-            <a:ext cx="12192000" cy="830997"/>
+            <a:ext cx="12192000" cy="707886"/>
           </a:xfrm>
           <a:prstGeom prst="rect">
             <a:avLst/>
@@ -3992,14 +3968,30 @@
           <a:p>
             <a:pPr algn="ctr"/>
             <a:r>
-              <a:rPr lang="en-US" sz="4800" b="1" dirty="0">
-                <a:solidFill>
-                  <a:srgbClr val="000066"/>
-                </a:solidFill>
-              </a:rPr>
-              <a:t>( 3 )</a:t>
-            </a:r>
-            <a:endParaRPr lang="vi-VN" sz="4800" b="1" dirty="0">
+              <a:rPr lang="en-US" sz="4000" b="1" dirty="0">
+                <a:solidFill>
+                  <a:srgbClr val="000066"/>
+                </a:solidFill>
+              </a:rPr>
+              <a:t>( </a:t>
+            </a:r>
+            <a:r>
+              <a:rPr lang="en-US" sz="4000" b="1" dirty="0">
+                <a:solidFill>
+                  <a:srgbClr val="000066"/>
+                </a:solidFill>
+              </a:rPr>
+              <a:t>3 </a:t>
+            </a:r>
+            <a:r>
+              <a:rPr lang="en-US" sz="4000" b="1" dirty="0">
+                <a:solidFill>
+                  <a:srgbClr val="000066"/>
+                </a:solidFill>
+              </a:rPr>
+              <a:t>/ 4 )</a:t>
+            </a:r>
+            <a:endParaRPr lang="vi-VN" sz="4000" b="1" dirty="0">
               <a:solidFill>
                 <a:srgbClr val="000066"/>
               </a:solidFill>
@@ -4094,13 +4086,6 @@
               </a:rPr>
               <a:t>仗主十架全得勝</a:t>
             </a:r>
-            <a:endParaRPr lang="zh-TW" altLang="en-US" sz="6400" b="1" dirty="0">
-              <a:solidFill>
-                <a:srgbClr val="000066"/>
-              </a:solidFill>
-              <a:latin typeface="Microsoft JhengHei" panose="020B0604030504040204" pitchFamily="34" charset="-120"/>
-              <a:ea typeface="Microsoft JhengHei" panose="020B0604030504040204" pitchFamily="34" charset="-120"/>
-            </a:endParaRPr>
           </a:p>
         </p:txBody>
       </p:sp>
@@ -4113,7 +4098,7 @@
         <p:spPr>
           <a:xfrm>
             <a:off x="0" y="5157194"/>
-            <a:ext cx="12192000" cy="830997"/>
+            <a:ext cx="12192000" cy="707886"/>
           </a:xfrm>
           <a:prstGeom prst="rect">
             <a:avLst/>
@@ -4128,14 +4113,14 @@
           <a:p>
             <a:pPr algn="ctr"/>
             <a:r>
-              <a:rPr lang="en-US" sz="4800" b="1" dirty="0">
-                <a:solidFill>
-                  <a:srgbClr val="000066"/>
-                </a:solidFill>
-              </a:rPr>
-              <a:t>( 3 )</a:t>
-            </a:r>
-            <a:endParaRPr lang="vi-VN" sz="4800" b="1" dirty="0">
+              <a:rPr lang="en-US" sz="4000" b="1" dirty="0">
+                <a:solidFill>
+                  <a:srgbClr val="000066"/>
+                </a:solidFill>
+              </a:rPr>
+              <a:t>( 3 / 4 )</a:t>
+            </a:r>
+            <a:endParaRPr lang="vi-VN" sz="4000" b="1" dirty="0">
               <a:solidFill>
                 <a:srgbClr val="000066"/>
               </a:solidFill>
@@ -4250,13 +4235,6 @@
               </a:rPr>
               <a:t>讚美主為罪人死</a:t>
             </a:r>
-            <a:endParaRPr lang="zh-TW" altLang="en-US" sz="6400" b="1" dirty="0">
-              <a:solidFill>
-                <a:srgbClr val="000066"/>
-              </a:solidFill>
-              <a:latin typeface="Microsoft JhengHei" panose="020B0604030504040204" pitchFamily="34" charset="-120"/>
-              <a:ea typeface="Microsoft JhengHei" panose="020B0604030504040204" pitchFamily="34" charset="-120"/>
-            </a:endParaRPr>
           </a:p>
         </p:txBody>
       </p:sp>
@@ -4367,13 +4345,6 @@
               </a:rPr>
               <a:t>罪汚</a:t>
             </a:r>
-            <a:endParaRPr lang="zh-TW" altLang="en-US" sz="6400" b="1" dirty="0">
-              <a:solidFill>
-                <a:srgbClr val="000066"/>
-              </a:solidFill>
-              <a:latin typeface="Microsoft JhengHei" panose="020B0604030504040204" pitchFamily="34" charset="-120"/>
-              <a:ea typeface="Microsoft JhengHei" panose="020B0604030504040204" pitchFamily="34" charset="-120"/>
-            </a:endParaRPr>
           </a:p>
         </p:txBody>
       </p:sp>
@@ -4484,13 +4455,6 @@
               </a:rPr>
               <a:t>榮耀榮耀歸耶穌</a:t>
             </a:r>
-            <a:endParaRPr lang="zh-TW" altLang="en-US" sz="6400" b="1" dirty="0">
-              <a:solidFill>
-                <a:srgbClr val="000066"/>
-              </a:solidFill>
-              <a:latin typeface="Microsoft JhengHei" panose="020B0604030504040204" pitchFamily="34" charset="-120"/>
-              <a:ea typeface="Microsoft JhengHei" panose="020B0604030504040204" pitchFamily="34" charset="-120"/>
-            </a:endParaRPr>
           </a:p>
         </p:txBody>
       </p:sp>
@@ -4503,7 +4467,7 @@
         <p:spPr>
           <a:xfrm>
             <a:off x="0" y="5157194"/>
-            <a:ext cx="12192000" cy="830997"/>
+            <a:ext cx="12192000" cy="707886"/>
           </a:xfrm>
           <a:prstGeom prst="rect">
             <a:avLst/>
@@ -4518,14 +4482,30 @@
           <a:p>
             <a:pPr algn="ctr"/>
             <a:r>
-              <a:rPr lang="en-US" sz="4800" b="1" dirty="0">
-                <a:solidFill>
-                  <a:srgbClr val="000066"/>
-                </a:solidFill>
-              </a:rPr>
-              <a:t>( 4 )</a:t>
-            </a:r>
-            <a:endParaRPr lang="vi-VN" sz="4800" b="1" dirty="0">
+              <a:rPr lang="en-US" sz="4000" b="1" dirty="0">
+                <a:solidFill>
+                  <a:srgbClr val="000066"/>
+                </a:solidFill>
+              </a:rPr>
+              <a:t>( </a:t>
+            </a:r>
+            <a:r>
+              <a:rPr lang="en-US" sz="4000" b="1" dirty="0">
+                <a:solidFill>
+                  <a:srgbClr val="000066"/>
+                </a:solidFill>
+              </a:rPr>
+              <a:t>4 </a:t>
+            </a:r>
+            <a:r>
+              <a:rPr lang="en-US" sz="4000" b="1" dirty="0">
+                <a:solidFill>
+                  <a:srgbClr val="000066"/>
+                </a:solidFill>
+              </a:rPr>
+              <a:t>/ 4 )</a:t>
+            </a:r>
+            <a:endParaRPr lang="vi-VN" sz="4000" b="1" dirty="0">
               <a:solidFill>
                 <a:srgbClr val="000066"/>
               </a:solidFill>
@@ -4660,13 +4640,6 @@
               </a:rPr>
               <a:t>三一主</a:t>
             </a:r>
-            <a:endParaRPr lang="zh-TW" altLang="en-US" sz="6400" b="1" dirty="0">
-              <a:solidFill>
-                <a:srgbClr val="000066"/>
-              </a:solidFill>
-              <a:latin typeface="Microsoft JhengHei" panose="020B0604030504040204" pitchFamily="34" charset="-120"/>
-              <a:ea typeface="Microsoft JhengHei" panose="020B0604030504040204" pitchFamily="34" charset="-120"/>
-            </a:endParaRPr>
           </a:p>
         </p:txBody>
       </p:sp>
@@ -4679,7 +4652,7 @@
         <p:spPr>
           <a:xfrm>
             <a:off x="0" y="5157194"/>
-            <a:ext cx="12192000" cy="830997"/>
+            <a:ext cx="12192000" cy="707886"/>
           </a:xfrm>
           <a:prstGeom prst="rect">
             <a:avLst/>
@@ -4694,14 +4667,14 @@
           <a:p>
             <a:pPr algn="ctr"/>
             <a:r>
-              <a:rPr lang="en-US" sz="4800" b="1" dirty="0">
-                <a:solidFill>
-                  <a:srgbClr val="000066"/>
-                </a:solidFill>
-              </a:rPr>
-              <a:t>( 4 )</a:t>
-            </a:r>
-            <a:endParaRPr lang="vi-VN" sz="4800" b="1" dirty="0">
+              <a:rPr lang="en-US" sz="4000" b="1" dirty="0">
+                <a:solidFill>
+                  <a:srgbClr val="000066"/>
+                </a:solidFill>
+              </a:rPr>
+              <a:t>( 4 / 4 )</a:t>
+            </a:r>
+            <a:endParaRPr lang="vi-VN" sz="4000" b="1" dirty="0">
               <a:solidFill>
                 <a:srgbClr val="000066"/>
               </a:solidFill>
@@ -4816,13 +4789,6 @@
               </a:rPr>
               <a:t>讚美主為罪人死</a:t>
             </a:r>
-            <a:endParaRPr lang="zh-TW" altLang="en-US" sz="6400" b="1" dirty="0">
-              <a:solidFill>
-                <a:srgbClr val="000066"/>
-              </a:solidFill>
-              <a:latin typeface="Microsoft JhengHei" panose="020B0604030504040204" pitchFamily="34" charset="-120"/>
-              <a:ea typeface="Microsoft JhengHei" panose="020B0604030504040204" pitchFamily="34" charset="-120"/>
-            </a:endParaRPr>
           </a:p>
         </p:txBody>
       </p:sp>
@@ -4933,13 +4899,6 @@
               </a:rPr>
               <a:t>罪汚</a:t>
             </a:r>
-            <a:endParaRPr lang="zh-TW" altLang="en-US" sz="6400" b="1" dirty="0">
-              <a:solidFill>
-                <a:srgbClr val="000066"/>
-              </a:solidFill>
-              <a:latin typeface="Microsoft JhengHei" panose="020B0604030504040204" pitchFamily="34" charset="-120"/>
-              <a:ea typeface="Microsoft JhengHei" panose="020B0604030504040204" pitchFamily="34" charset="-120"/>
-            </a:endParaRPr>
           </a:p>
         </p:txBody>
       </p:sp>
@@ -5030,13 +4989,6 @@
               </a:rPr>
               <a:t>要洗我一切罪孽</a:t>
             </a:r>
-            <a:endParaRPr lang="zh-TW" altLang="en-US" sz="6400" b="1" dirty="0">
-              <a:solidFill>
-                <a:srgbClr val="000066"/>
-              </a:solidFill>
-              <a:latin typeface="Microsoft JhengHei" panose="020B0604030504040204" pitchFamily="34" charset="-120"/>
-              <a:ea typeface="Microsoft JhengHei" panose="020B0604030504040204" pitchFamily="34" charset="-120"/>
-            </a:endParaRPr>
           </a:p>
         </p:txBody>
       </p:sp>
@@ -5049,7 +5001,7 @@
         <p:spPr>
           <a:xfrm>
             <a:off x="0" y="5157194"/>
-            <a:ext cx="12192000" cy="830997"/>
+            <a:ext cx="12192000" cy="707886"/>
           </a:xfrm>
           <a:prstGeom prst="rect">
             <a:avLst/>
@@ -5064,14 +5016,30 @@
           <a:p>
             <a:pPr algn="ctr"/>
             <a:r>
-              <a:rPr lang="en-US" sz="4800" b="1" dirty="0">
-                <a:solidFill>
-                  <a:srgbClr val="000066"/>
-                </a:solidFill>
-              </a:rPr>
-              <a:t>( 1 )</a:t>
-            </a:r>
-            <a:endParaRPr lang="vi-VN" sz="4800" b="1" dirty="0">
+              <a:rPr lang="en-US" sz="4000" b="1" dirty="0">
+                <a:solidFill>
+                  <a:srgbClr val="000066"/>
+                </a:solidFill>
+              </a:rPr>
+              <a:t>( </a:t>
+            </a:r>
+            <a:r>
+              <a:rPr lang="en-US" sz="4000" b="1" dirty="0" smtClean="0">
+                <a:solidFill>
+                  <a:srgbClr val="000066"/>
+                </a:solidFill>
+              </a:rPr>
+              <a:t>1 / 4 </a:t>
+            </a:r>
+            <a:r>
+              <a:rPr lang="en-US" sz="4000" b="1" dirty="0">
+                <a:solidFill>
+                  <a:srgbClr val="000066"/>
+                </a:solidFill>
+              </a:rPr>
+              <a:t>)</a:t>
+            </a:r>
+            <a:endParaRPr lang="vi-VN" sz="4000" b="1" dirty="0">
               <a:solidFill>
                 <a:srgbClr val="000066"/>
               </a:solidFill>
@@ -5166,13 +5134,6 @@
               </a:rPr>
               <a:t>問説  你願否清潔</a:t>
             </a:r>
-            <a:endParaRPr lang="zh-TW" altLang="en-US" sz="6400" b="1" dirty="0">
-              <a:solidFill>
-                <a:srgbClr val="000066"/>
-              </a:solidFill>
-              <a:latin typeface="Microsoft JhengHei" panose="020B0604030504040204" pitchFamily="34" charset="-120"/>
-              <a:ea typeface="Microsoft JhengHei" panose="020B0604030504040204" pitchFamily="34" charset="-120"/>
-            </a:endParaRPr>
           </a:p>
         </p:txBody>
       </p:sp>
@@ -5185,7 +5146,7 @@
         <p:spPr>
           <a:xfrm>
             <a:off x="0" y="5157194"/>
-            <a:ext cx="12192000" cy="830997"/>
+            <a:ext cx="12192000" cy="707886"/>
           </a:xfrm>
           <a:prstGeom prst="rect">
             <a:avLst/>
@@ -5200,14 +5161,14 @@
           <a:p>
             <a:pPr algn="ctr"/>
             <a:r>
-              <a:rPr lang="en-US" sz="4800" b="1" dirty="0">
-                <a:solidFill>
-                  <a:srgbClr val="000066"/>
-                </a:solidFill>
-              </a:rPr>
-              <a:t>( 1 )</a:t>
-            </a:r>
-            <a:endParaRPr lang="vi-VN" sz="4800" b="1" dirty="0">
+              <a:rPr lang="en-US" sz="4000" b="1" dirty="0">
+                <a:solidFill>
+                  <a:srgbClr val="000066"/>
+                </a:solidFill>
+              </a:rPr>
+              <a:t>( 1 / 4 )</a:t>
+            </a:r>
+            <a:endParaRPr lang="vi-VN" sz="4000" b="1" dirty="0">
               <a:solidFill>
                 <a:srgbClr val="000066"/>
               </a:solidFill>
@@ -5322,13 +5283,6 @@
               </a:rPr>
               <a:t>讚美主為罪人死</a:t>
             </a:r>
-            <a:endParaRPr lang="zh-TW" altLang="en-US" sz="6400" b="1" dirty="0">
-              <a:solidFill>
-                <a:srgbClr val="000066"/>
-              </a:solidFill>
-              <a:latin typeface="Microsoft JhengHei" panose="020B0604030504040204" pitchFamily="34" charset="-120"/>
-              <a:ea typeface="Microsoft JhengHei" panose="020B0604030504040204" pitchFamily="34" charset="-120"/>
-            </a:endParaRPr>
           </a:p>
         </p:txBody>
       </p:sp>
@@ -5439,13 +5393,6 @@
               </a:rPr>
               <a:t>罪汚</a:t>
             </a:r>
-            <a:endParaRPr lang="zh-TW" altLang="en-US" sz="6400" b="1" dirty="0">
-              <a:solidFill>
-                <a:srgbClr val="000066"/>
-              </a:solidFill>
-              <a:latin typeface="Microsoft JhengHei" panose="020B0604030504040204" pitchFamily="34" charset="-120"/>
-              <a:ea typeface="Microsoft JhengHei" panose="020B0604030504040204" pitchFamily="34" charset="-120"/>
-            </a:endParaRPr>
           </a:p>
         </p:txBody>
       </p:sp>
@@ -5536,13 +5483,6 @@
               </a:rPr>
               <a:t>因主歡喜收罪人</a:t>
             </a:r>
-            <a:endParaRPr lang="zh-TW" altLang="en-US" sz="6400" b="1" dirty="0">
-              <a:solidFill>
-                <a:srgbClr val="000066"/>
-              </a:solidFill>
-              <a:latin typeface="Microsoft JhengHei" panose="020B0604030504040204" pitchFamily="34" charset="-120"/>
-              <a:ea typeface="Microsoft JhengHei" panose="020B0604030504040204" pitchFamily="34" charset="-120"/>
-            </a:endParaRPr>
           </a:p>
         </p:txBody>
       </p:sp>
@@ -5555,7 +5495,7 @@
         <p:spPr>
           <a:xfrm>
             <a:off x="0" y="5157194"/>
-            <a:ext cx="12192000" cy="830997"/>
+            <a:ext cx="12192000" cy="707886"/>
           </a:xfrm>
           <a:prstGeom prst="rect">
             <a:avLst/>
@@ -5570,14 +5510,30 @@
           <a:p>
             <a:pPr algn="ctr"/>
             <a:r>
-              <a:rPr lang="en-US" sz="4800" b="1" dirty="0">
-                <a:solidFill>
-                  <a:srgbClr val="000066"/>
-                </a:solidFill>
-              </a:rPr>
-              <a:t>( 2 )</a:t>
-            </a:r>
-            <a:endParaRPr lang="vi-VN" sz="4800" b="1" dirty="0">
+              <a:rPr lang="en-US" sz="4000" b="1" dirty="0">
+                <a:solidFill>
+                  <a:srgbClr val="000066"/>
+                </a:solidFill>
+              </a:rPr>
+              <a:t>( </a:t>
+            </a:r>
+            <a:r>
+              <a:rPr lang="en-US" sz="4000" b="1" dirty="0">
+                <a:solidFill>
+                  <a:srgbClr val="000066"/>
+                </a:solidFill>
+              </a:rPr>
+              <a:t>2 </a:t>
+            </a:r>
+            <a:r>
+              <a:rPr lang="en-US" sz="4000" b="1" dirty="0">
+                <a:solidFill>
+                  <a:srgbClr val="000066"/>
+                </a:solidFill>
+              </a:rPr>
+              <a:t>/ 4 )</a:t>
+            </a:r>
+            <a:endParaRPr lang="vi-VN" sz="4000" b="1" dirty="0">
               <a:solidFill>
                 <a:srgbClr val="000066"/>
               </a:solidFill>
@@ -5672,13 +5628,6 @@
               </a:rPr>
               <a:t>洗浄我的汚穢心</a:t>
             </a:r>
-            <a:endParaRPr lang="zh-TW" altLang="en-US" sz="6400" b="1" dirty="0">
-              <a:solidFill>
-                <a:srgbClr val="000066"/>
-              </a:solidFill>
-              <a:latin typeface="Microsoft JhengHei" panose="020B0604030504040204" pitchFamily="34" charset="-120"/>
-              <a:ea typeface="Microsoft JhengHei" panose="020B0604030504040204" pitchFamily="34" charset="-120"/>
-            </a:endParaRPr>
           </a:p>
         </p:txBody>
       </p:sp>
@@ -5691,7 +5640,7 @@
         <p:spPr>
           <a:xfrm>
             <a:off x="0" y="5157194"/>
-            <a:ext cx="12192000" cy="830997"/>
+            <a:ext cx="12192000" cy="707886"/>
           </a:xfrm>
           <a:prstGeom prst="rect">
             <a:avLst/>
@@ -5706,14 +5655,14 @@
           <a:p>
             <a:pPr algn="ctr"/>
             <a:r>
-              <a:rPr lang="en-US" sz="4800" b="1" dirty="0">
-                <a:solidFill>
-                  <a:srgbClr val="000066"/>
-                </a:solidFill>
-              </a:rPr>
-              <a:t>( 2 )</a:t>
-            </a:r>
-            <a:endParaRPr lang="vi-VN" sz="4800" b="1" dirty="0">
+              <a:rPr lang="en-US" sz="4000" b="1" dirty="0">
+                <a:solidFill>
+                  <a:srgbClr val="000066"/>
+                </a:solidFill>
+              </a:rPr>
+              <a:t>( 2 / 4 )</a:t>
+            </a:r>
+            <a:endParaRPr lang="vi-VN" sz="4000" b="1" dirty="0">
               <a:solidFill>
                 <a:srgbClr val="000066"/>
               </a:solidFill>
@@ -5828,13 +5777,6 @@
               </a:rPr>
               <a:t>讚美主為罪人死</a:t>
             </a:r>
-            <a:endParaRPr lang="zh-TW" altLang="en-US" sz="6400" b="1" dirty="0">
-              <a:solidFill>
-                <a:srgbClr val="000066"/>
-              </a:solidFill>
-              <a:latin typeface="Microsoft JhengHei" panose="020B0604030504040204" pitchFamily="34" charset="-120"/>
-              <a:ea typeface="Microsoft JhengHei" panose="020B0604030504040204" pitchFamily="34" charset="-120"/>
-            </a:endParaRPr>
           </a:p>
         </p:txBody>
       </p:sp>
@@ -5945,13 +5887,6 @@
               </a:rPr>
               <a:t>罪汚</a:t>
             </a:r>
-            <a:endParaRPr lang="zh-TW" altLang="en-US" sz="6400" b="1" dirty="0">
-              <a:solidFill>
-                <a:srgbClr val="000066"/>
-              </a:solidFill>
-              <a:latin typeface="Microsoft JhengHei" panose="020B0604030504040204" pitchFamily="34" charset="-120"/>
-              <a:ea typeface="Microsoft JhengHei" panose="020B0604030504040204" pitchFamily="34" charset="-120"/>
-            </a:endParaRPr>
           </a:p>
         </p:txBody>
       </p:sp>
